--- a/Prototypes/Prototype (Cust and Factory Dashboards).pptx
+++ b/Prototypes/Prototype (Cust and Factory Dashboards).pptx
@@ -4,6 +4,9 @@
   <p:sldMasterIdLst>
     <p:sldMasterId id="2147483648" r:id="rId1"/>
   </p:sldMasterIdLst>
+  <p:notesMasterIdLst>
+    <p:notesMasterId r:id="rId15"/>
+  </p:notesMasterIdLst>
   <p:sldIdLst>
     <p:sldId id="257" r:id="rId2"/>
     <p:sldId id="273" r:id="rId3"/>
@@ -165,6 +168,450 @@
 </p:presentation>
 </file>
 
+<file path=ppt/revisionInfo.xml><?xml version="1.0" encoding="utf-8"?>
+<p1510:revInfo xmlns:a="http://schemas.openxmlformats.org/drawingml/2006/main" xmlns:r="http://schemas.openxmlformats.org/officeDocument/2006/relationships" xmlns:p1510="http://schemas.microsoft.com/office/powerpoint/2015/10/main"/>
+</file>
+
+<file path=ppt/notesMasters/notesMaster1.xml><?xml version="1.0" encoding="utf-8"?>
+<p:notesMaster xmlns:a="http://schemas.openxmlformats.org/drawingml/2006/main" xmlns:r="http://schemas.openxmlformats.org/officeDocument/2006/relationships" xmlns:p="http://schemas.openxmlformats.org/presentationml/2006/main">
+  <p:cSld>
+    <p:bg>
+      <p:bgRef idx="1001">
+        <a:schemeClr val="bg1"/>
+      </p:bgRef>
+    </p:bg>
+    <p:spTree>
+      <p:nvGrpSpPr>
+        <p:cNvPr id="1" name=""/>
+        <p:cNvGrpSpPr/>
+        <p:nvPr/>
+      </p:nvGrpSpPr>
+      <p:grpSpPr>
+        <a:xfrm>
+          <a:off x="0" y="0"/>
+          <a:ext cx="0" cy="0"/>
+          <a:chOff x="0" y="0"/>
+          <a:chExt cx="0" cy="0"/>
+        </a:xfrm>
+      </p:grpSpPr>
+      <p:sp>
+        <p:nvSpPr>
+          <p:cNvPr id="2" name="Header Placeholder 1"/>
+          <p:cNvSpPr>
+            <a:spLocks noGrp="1"/>
+          </p:cNvSpPr>
+          <p:nvPr>
+            <p:ph type="hdr" sz="quarter"/>
+          </p:nvPr>
+        </p:nvSpPr>
+        <p:spPr>
+          <a:xfrm>
+            <a:off x="0" y="0"/>
+            <a:ext cx="2971800" cy="458788"/>
+          </a:xfrm>
+          <a:prstGeom prst="rect">
+            <a:avLst/>
+          </a:prstGeom>
+        </p:spPr>
+        <p:txBody>
+          <a:bodyPr vert="horz" lIns="91440" tIns="45720" rIns="91440" bIns="45720" rtlCol="0"/>
+          <a:lstStyle>
+            <a:lvl1pPr algn="l">
+              <a:defRPr sz="1200"/>
+            </a:lvl1pPr>
+          </a:lstStyle>
+          <a:p>
+            <a:endParaRPr lang="en-SG"/>
+          </a:p>
+        </p:txBody>
+      </p:sp>
+      <p:sp>
+        <p:nvSpPr>
+          <p:cNvPr id="3" name="Date Placeholder 2"/>
+          <p:cNvSpPr>
+            <a:spLocks noGrp="1"/>
+          </p:cNvSpPr>
+          <p:nvPr>
+            <p:ph type="dt" idx="1"/>
+          </p:nvPr>
+        </p:nvSpPr>
+        <p:spPr>
+          <a:xfrm>
+            <a:off x="3884613" y="0"/>
+            <a:ext cx="2971800" cy="458788"/>
+          </a:xfrm>
+          <a:prstGeom prst="rect">
+            <a:avLst/>
+          </a:prstGeom>
+        </p:spPr>
+        <p:txBody>
+          <a:bodyPr vert="horz" lIns="91440" tIns="45720" rIns="91440" bIns="45720" rtlCol="0"/>
+          <a:lstStyle>
+            <a:lvl1pPr algn="r">
+              <a:defRPr sz="1200"/>
+            </a:lvl1pPr>
+          </a:lstStyle>
+          <a:p>
+            <a:fld id="{EA786845-96BA-4A4B-ADCB-BE6BEE8BE2DB}" type="datetimeFigureOut">
+              <a:rPr lang="en-SG" smtClean="0"/>
+              <a:t>23/9/2017</a:t>
+            </a:fld>
+            <a:endParaRPr lang="en-SG"/>
+          </a:p>
+        </p:txBody>
+      </p:sp>
+      <p:sp>
+        <p:nvSpPr>
+          <p:cNvPr id="4" name="Slide Image Placeholder 3"/>
+          <p:cNvSpPr>
+            <a:spLocks noGrp="1" noRot="1" noChangeAspect="1"/>
+          </p:cNvSpPr>
+          <p:nvPr>
+            <p:ph type="sldImg" idx="2"/>
+          </p:nvPr>
+        </p:nvSpPr>
+        <p:spPr>
+          <a:xfrm>
+            <a:off x="685800" y="1143000"/>
+            <a:ext cx="5486400" cy="3086100"/>
+          </a:xfrm>
+          <a:prstGeom prst="rect">
+            <a:avLst/>
+          </a:prstGeom>
+          <a:noFill/>
+          <a:ln w="12700">
+            <a:solidFill>
+              <a:prstClr val="black"/>
+            </a:solidFill>
+          </a:ln>
+        </p:spPr>
+        <p:txBody>
+          <a:bodyPr vert="horz" lIns="91440" tIns="45720" rIns="91440" bIns="45720" rtlCol="0" anchor="ctr"/>
+          <a:lstStyle/>
+          <a:p>
+            <a:endParaRPr lang="en-SG"/>
+          </a:p>
+        </p:txBody>
+      </p:sp>
+      <p:sp>
+        <p:nvSpPr>
+          <p:cNvPr id="5" name="Notes Placeholder 4"/>
+          <p:cNvSpPr>
+            <a:spLocks noGrp="1"/>
+          </p:cNvSpPr>
+          <p:nvPr>
+            <p:ph type="body" sz="quarter" idx="3"/>
+          </p:nvPr>
+        </p:nvSpPr>
+        <p:spPr>
+          <a:xfrm>
+            <a:off x="685800" y="4400550"/>
+            <a:ext cx="5486400" cy="3600450"/>
+          </a:xfrm>
+          <a:prstGeom prst="rect">
+            <a:avLst/>
+          </a:prstGeom>
+        </p:spPr>
+        <p:txBody>
+          <a:bodyPr vert="horz" lIns="91440" tIns="45720" rIns="91440" bIns="45720" rtlCol="0"/>
+          <a:lstStyle/>
+          <a:p>
+            <a:pPr lvl="0"/>
+            <a:r>
+              <a:rPr lang="en-US"/>
+              <a:t>Edit Master text styles</a:t>
+            </a:r>
+          </a:p>
+          <a:p>
+            <a:pPr lvl="1"/>
+            <a:r>
+              <a:rPr lang="en-US"/>
+              <a:t>Second level</a:t>
+            </a:r>
+          </a:p>
+          <a:p>
+            <a:pPr lvl="2"/>
+            <a:r>
+              <a:rPr lang="en-US"/>
+              <a:t>Third level</a:t>
+            </a:r>
+          </a:p>
+          <a:p>
+            <a:pPr lvl="3"/>
+            <a:r>
+              <a:rPr lang="en-US"/>
+              <a:t>Fourth level</a:t>
+            </a:r>
+          </a:p>
+          <a:p>
+            <a:pPr lvl="4"/>
+            <a:r>
+              <a:rPr lang="en-US"/>
+              <a:t>Fifth level</a:t>
+            </a:r>
+            <a:endParaRPr lang="en-SG"/>
+          </a:p>
+        </p:txBody>
+      </p:sp>
+      <p:sp>
+        <p:nvSpPr>
+          <p:cNvPr id="6" name="Footer Placeholder 5"/>
+          <p:cNvSpPr>
+            <a:spLocks noGrp="1"/>
+          </p:cNvSpPr>
+          <p:nvPr>
+            <p:ph type="ftr" sz="quarter" idx="4"/>
+          </p:nvPr>
+        </p:nvSpPr>
+        <p:spPr>
+          <a:xfrm>
+            <a:off x="0" y="8685213"/>
+            <a:ext cx="2971800" cy="458787"/>
+          </a:xfrm>
+          <a:prstGeom prst="rect">
+            <a:avLst/>
+          </a:prstGeom>
+        </p:spPr>
+        <p:txBody>
+          <a:bodyPr vert="horz" lIns="91440" tIns="45720" rIns="91440" bIns="45720" rtlCol="0" anchor="b"/>
+          <a:lstStyle>
+            <a:lvl1pPr algn="l">
+              <a:defRPr sz="1200"/>
+            </a:lvl1pPr>
+          </a:lstStyle>
+          <a:p>
+            <a:endParaRPr lang="en-SG"/>
+          </a:p>
+        </p:txBody>
+      </p:sp>
+      <p:sp>
+        <p:nvSpPr>
+          <p:cNvPr id="7" name="Slide Number Placeholder 6"/>
+          <p:cNvSpPr>
+            <a:spLocks noGrp="1"/>
+          </p:cNvSpPr>
+          <p:nvPr>
+            <p:ph type="sldNum" sz="quarter" idx="5"/>
+          </p:nvPr>
+        </p:nvSpPr>
+        <p:spPr>
+          <a:xfrm>
+            <a:off x="3884613" y="8685213"/>
+            <a:ext cx="2971800" cy="458787"/>
+          </a:xfrm>
+          <a:prstGeom prst="rect">
+            <a:avLst/>
+          </a:prstGeom>
+        </p:spPr>
+        <p:txBody>
+          <a:bodyPr vert="horz" lIns="91440" tIns="45720" rIns="91440" bIns="45720" rtlCol="0" anchor="b"/>
+          <a:lstStyle>
+            <a:lvl1pPr algn="r">
+              <a:defRPr sz="1200"/>
+            </a:lvl1pPr>
+          </a:lstStyle>
+          <a:p>
+            <a:fld id="{EF9496BF-0A40-4558-BCD7-7A30B001C100}" type="slidenum">
+              <a:rPr lang="en-SG" smtClean="0"/>
+              <a:t>‹#›</a:t>
+            </a:fld>
+            <a:endParaRPr lang="en-SG"/>
+          </a:p>
+        </p:txBody>
+      </p:sp>
+    </p:spTree>
+    <p:extLst>
+      <p:ext uri="{BB962C8B-B14F-4D97-AF65-F5344CB8AC3E}">
+        <p14:creationId xmlns:p14="http://schemas.microsoft.com/office/powerpoint/2010/main" val="1783855512"/>
+      </p:ext>
+    </p:extLst>
+  </p:cSld>
+  <p:clrMap bg1="lt1" tx1="dk1" bg2="lt2" tx2="dk2" accent1="accent1" accent2="accent2" accent3="accent3" accent4="accent4" accent5="accent5" accent6="accent6" hlink="hlink" folHlink="folHlink"/>
+  <p:notesStyle>
+    <a:lvl1pPr marL="0" algn="l" defTabSz="914400" rtl="0" eaLnBrk="1" latinLnBrk="0" hangingPunct="1">
+      <a:defRPr sz="1200" kern="1200">
+        <a:solidFill>
+          <a:schemeClr val="tx1"/>
+        </a:solidFill>
+        <a:latin typeface="+mn-lt"/>
+        <a:ea typeface="+mn-ea"/>
+        <a:cs typeface="+mn-cs"/>
+      </a:defRPr>
+    </a:lvl1pPr>
+    <a:lvl2pPr marL="457200" algn="l" defTabSz="914400" rtl="0" eaLnBrk="1" latinLnBrk="0" hangingPunct="1">
+      <a:defRPr sz="1200" kern="1200">
+        <a:solidFill>
+          <a:schemeClr val="tx1"/>
+        </a:solidFill>
+        <a:latin typeface="+mn-lt"/>
+        <a:ea typeface="+mn-ea"/>
+        <a:cs typeface="+mn-cs"/>
+      </a:defRPr>
+    </a:lvl2pPr>
+    <a:lvl3pPr marL="914400" algn="l" defTabSz="914400" rtl="0" eaLnBrk="1" latinLnBrk="0" hangingPunct="1">
+      <a:defRPr sz="1200" kern="1200">
+        <a:solidFill>
+          <a:schemeClr val="tx1"/>
+        </a:solidFill>
+        <a:latin typeface="+mn-lt"/>
+        <a:ea typeface="+mn-ea"/>
+        <a:cs typeface="+mn-cs"/>
+      </a:defRPr>
+    </a:lvl3pPr>
+    <a:lvl4pPr marL="1371600" algn="l" defTabSz="914400" rtl="0" eaLnBrk="1" latinLnBrk="0" hangingPunct="1">
+      <a:defRPr sz="1200" kern="1200">
+        <a:solidFill>
+          <a:schemeClr val="tx1"/>
+        </a:solidFill>
+        <a:latin typeface="+mn-lt"/>
+        <a:ea typeface="+mn-ea"/>
+        <a:cs typeface="+mn-cs"/>
+      </a:defRPr>
+    </a:lvl4pPr>
+    <a:lvl5pPr marL="1828800" algn="l" defTabSz="914400" rtl="0" eaLnBrk="1" latinLnBrk="0" hangingPunct="1">
+      <a:defRPr sz="1200" kern="1200">
+        <a:solidFill>
+          <a:schemeClr val="tx1"/>
+        </a:solidFill>
+        <a:latin typeface="+mn-lt"/>
+        <a:ea typeface="+mn-ea"/>
+        <a:cs typeface="+mn-cs"/>
+      </a:defRPr>
+    </a:lvl5pPr>
+    <a:lvl6pPr marL="2286000" algn="l" defTabSz="914400" rtl="0" eaLnBrk="1" latinLnBrk="0" hangingPunct="1">
+      <a:defRPr sz="1200" kern="1200">
+        <a:solidFill>
+          <a:schemeClr val="tx1"/>
+        </a:solidFill>
+        <a:latin typeface="+mn-lt"/>
+        <a:ea typeface="+mn-ea"/>
+        <a:cs typeface="+mn-cs"/>
+      </a:defRPr>
+    </a:lvl6pPr>
+    <a:lvl7pPr marL="2743200" algn="l" defTabSz="914400" rtl="0" eaLnBrk="1" latinLnBrk="0" hangingPunct="1">
+      <a:defRPr sz="1200" kern="1200">
+        <a:solidFill>
+          <a:schemeClr val="tx1"/>
+        </a:solidFill>
+        <a:latin typeface="+mn-lt"/>
+        <a:ea typeface="+mn-ea"/>
+        <a:cs typeface="+mn-cs"/>
+      </a:defRPr>
+    </a:lvl7pPr>
+    <a:lvl8pPr marL="3200400" algn="l" defTabSz="914400" rtl="0" eaLnBrk="1" latinLnBrk="0" hangingPunct="1">
+      <a:defRPr sz="1200" kern="1200">
+        <a:solidFill>
+          <a:schemeClr val="tx1"/>
+        </a:solidFill>
+        <a:latin typeface="+mn-lt"/>
+        <a:ea typeface="+mn-ea"/>
+        <a:cs typeface="+mn-cs"/>
+      </a:defRPr>
+    </a:lvl8pPr>
+    <a:lvl9pPr marL="3657600" algn="l" defTabSz="914400" rtl="0" eaLnBrk="1" latinLnBrk="0" hangingPunct="1">
+      <a:defRPr sz="1200" kern="1200">
+        <a:solidFill>
+          <a:schemeClr val="tx1"/>
+        </a:solidFill>
+        <a:latin typeface="+mn-lt"/>
+        <a:ea typeface="+mn-ea"/>
+        <a:cs typeface="+mn-cs"/>
+      </a:defRPr>
+    </a:lvl9pPr>
+  </p:notesStyle>
+</p:notesMaster>
+</file>
+
+<file path=ppt/notesSlides/notesSlide1.xml><?xml version="1.0" encoding="utf-8"?>
+<p:notes xmlns:a="http://schemas.openxmlformats.org/drawingml/2006/main" xmlns:r="http://schemas.openxmlformats.org/officeDocument/2006/relationships" xmlns:p="http://schemas.openxmlformats.org/presentationml/2006/main">
+  <p:cSld>
+    <p:spTree>
+      <p:nvGrpSpPr>
+        <p:cNvPr id="1" name=""/>
+        <p:cNvGrpSpPr/>
+        <p:nvPr/>
+      </p:nvGrpSpPr>
+      <p:grpSpPr>
+        <a:xfrm>
+          <a:off x="0" y="0"/>
+          <a:ext cx="0" cy="0"/>
+          <a:chOff x="0" y="0"/>
+          <a:chExt cx="0" cy="0"/>
+        </a:xfrm>
+      </p:grpSpPr>
+      <p:sp>
+        <p:nvSpPr>
+          <p:cNvPr id="2" name="Slide Image Placeholder 1"/>
+          <p:cNvSpPr>
+            <a:spLocks noGrp="1" noRot="1" noChangeAspect="1"/>
+          </p:cNvSpPr>
+          <p:nvPr>
+            <p:ph type="sldImg"/>
+          </p:nvPr>
+        </p:nvSpPr>
+        <p:spPr/>
+      </p:sp>
+      <p:sp>
+        <p:nvSpPr>
+          <p:cNvPr id="3" name="Notes Placeholder 2"/>
+          <p:cNvSpPr>
+            <a:spLocks noGrp="1"/>
+          </p:cNvSpPr>
+          <p:nvPr>
+            <p:ph type="body" idx="1"/>
+          </p:nvPr>
+        </p:nvSpPr>
+        <p:spPr/>
+        <p:txBody>
+          <a:bodyPr/>
+          <a:lstStyle/>
+          <a:p>
+            <a:r>
+              <a:rPr lang="en-SG"/>
+              <a:t>Add courier </a:t>
+            </a:r>
+          </a:p>
+          <a:p>
+            <a:endParaRPr lang="en-SG" dirty="0"/>
+          </a:p>
+        </p:txBody>
+      </p:sp>
+      <p:sp>
+        <p:nvSpPr>
+          <p:cNvPr id="4" name="Slide Number Placeholder 3"/>
+          <p:cNvSpPr>
+            <a:spLocks noGrp="1"/>
+          </p:cNvSpPr>
+          <p:nvPr>
+            <p:ph type="sldNum" sz="quarter" idx="10"/>
+          </p:nvPr>
+        </p:nvSpPr>
+        <p:spPr/>
+        <p:txBody>
+          <a:bodyPr/>
+          <a:lstStyle/>
+          <a:p>
+            <a:fld id="{EF9496BF-0A40-4558-BCD7-7A30B001C100}" type="slidenum">
+              <a:rPr lang="en-SG" smtClean="0"/>
+              <a:t>11</a:t>
+            </a:fld>
+            <a:endParaRPr lang="en-SG"/>
+          </a:p>
+        </p:txBody>
+      </p:sp>
+    </p:spTree>
+    <p:extLst>
+      <p:ext uri="{BB962C8B-B14F-4D97-AF65-F5344CB8AC3E}">
+        <p14:creationId xmlns:p14="http://schemas.microsoft.com/office/powerpoint/2010/main" val="4166790122"/>
+      </p:ext>
+    </p:extLst>
+  </p:cSld>
+  <p:clrMapOvr>
+    <a:masterClrMapping/>
+  </p:clrMapOvr>
+</p:notes>
+</file>
+
 <file path=ppt/slideLayouts/slideLayout1.xml><?xml version="1.0" encoding="utf-8"?>
 <p:sldLayout xmlns:a="http://schemas.openxmlformats.org/drawingml/2006/main" xmlns:r="http://schemas.openxmlformats.org/officeDocument/2006/relationships" xmlns:p="http://schemas.openxmlformats.org/presentationml/2006/main" type="title" preserve="1">
   <p:cSld name="Title Slide">
@@ -314,7 +761,7 @@
           <a:p>
             <a:fld id="{818036F4-BFBF-458A-A5B2-75C07D714F19}" type="datetimeFigureOut">
               <a:rPr lang="en-SG" smtClean="0"/>
-              <a:t>31/8/2017</a:t>
+              <a:t>23/9/2017</a:t>
             </a:fld>
             <a:endParaRPr lang="en-SG"/>
           </a:p>
@@ -514,7 +961,7 @@
           <a:p>
             <a:fld id="{818036F4-BFBF-458A-A5B2-75C07D714F19}" type="datetimeFigureOut">
               <a:rPr lang="en-SG" smtClean="0"/>
-              <a:t>31/8/2017</a:t>
+              <a:t>23/9/2017</a:t>
             </a:fld>
             <a:endParaRPr lang="en-SG"/>
           </a:p>
@@ -724,7 +1171,7 @@
           <a:p>
             <a:fld id="{818036F4-BFBF-458A-A5B2-75C07D714F19}" type="datetimeFigureOut">
               <a:rPr lang="en-SG" smtClean="0"/>
-              <a:t>31/8/2017</a:t>
+              <a:t>23/9/2017</a:t>
             </a:fld>
             <a:endParaRPr lang="en-SG"/>
           </a:p>
@@ -924,7 +1371,7 @@
           <a:p>
             <a:fld id="{818036F4-BFBF-458A-A5B2-75C07D714F19}" type="datetimeFigureOut">
               <a:rPr lang="en-SG" smtClean="0"/>
-              <a:t>31/8/2017</a:t>
+              <a:t>23/9/2017</a:t>
             </a:fld>
             <a:endParaRPr lang="en-SG"/>
           </a:p>
@@ -1200,7 +1647,7 @@
           <a:p>
             <a:fld id="{818036F4-BFBF-458A-A5B2-75C07D714F19}" type="datetimeFigureOut">
               <a:rPr lang="en-SG" smtClean="0"/>
-              <a:t>31/8/2017</a:t>
+              <a:t>23/9/2017</a:t>
             </a:fld>
             <a:endParaRPr lang="en-SG"/>
           </a:p>
@@ -1468,7 +1915,7 @@
           <a:p>
             <a:fld id="{818036F4-BFBF-458A-A5B2-75C07D714F19}" type="datetimeFigureOut">
               <a:rPr lang="en-SG" smtClean="0"/>
-              <a:t>31/8/2017</a:t>
+              <a:t>23/9/2017</a:t>
             </a:fld>
             <a:endParaRPr lang="en-SG"/>
           </a:p>
@@ -1883,7 +2330,7 @@
           <a:p>
             <a:fld id="{818036F4-BFBF-458A-A5B2-75C07D714F19}" type="datetimeFigureOut">
               <a:rPr lang="en-SG" smtClean="0"/>
-              <a:t>31/8/2017</a:t>
+              <a:t>23/9/2017</a:t>
             </a:fld>
             <a:endParaRPr lang="en-SG"/>
           </a:p>
@@ -2025,7 +2472,7 @@
           <a:p>
             <a:fld id="{818036F4-BFBF-458A-A5B2-75C07D714F19}" type="datetimeFigureOut">
               <a:rPr lang="en-SG" smtClean="0"/>
-              <a:t>31/8/2017</a:t>
+              <a:t>23/9/2017</a:t>
             </a:fld>
             <a:endParaRPr lang="en-SG"/>
           </a:p>
@@ -2138,7 +2585,7 @@
           <a:p>
             <a:fld id="{818036F4-BFBF-458A-A5B2-75C07D714F19}" type="datetimeFigureOut">
               <a:rPr lang="en-SG" smtClean="0"/>
-              <a:t>31/8/2017</a:t>
+              <a:t>23/9/2017</a:t>
             </a:fld>
             <a:endParaRPr lang="en-SG"/>
           </a:p>
@@ -2451,7 +2898,7 @@
           <a:p>
             <a:fld id="{818036F4-BFBF-458A-A5B2-75C07D714F19}" type="datetimeFigureOut">
               <a:rPr lang="en-SG" smtClean="0"/>
-              <a:t>31/8/2017</a:t>
+              <a:t>23/9/2017</a:t>
             </a:fld>
             <a:endParaRPr lang="en-SG"/>
           </a:p>
@@ -2740,7 +3187,7 @@
           <a:p>
             <a:fld id="{818036F4-BFBF-458A-A5B2-75C07D714F19}" type="datetimeFigureOut">
               <a:rPr lang="en-SG" smtClean="0"/>
-              <a:t>31/8/2017</a:t>
+              <a:t>23/9/2017</a:t>
             </a:fld>
             <a:endParaRPr lang="en-SG"/>
           </a:p>
@@ -2983,7 +3430,7 @@
           <a:p>
             <a:fld id="{818036F4-BFBF-458A-A5B2-75C07D714F19}" type="datetimeFigureOut">
               <a:rPr lang="en-SG" smtClean="0"/>
-              <a:t>31/8/2017</a:t>
+              <a:t>23/9/2017</a:t>
             </a:fld>
             <a:endParaRPr lang="en-SG"/>
           </a:p>
@@ -6068,7 +6515,7 @@
           <p:nvPr/>
         </p:nvPicPr>
         <p:blipFill rotWithShape="1">
-          <a:blip r:embed="rId2"/>
+          <a:blip r:embed="rId3"/>
           <a:srcRect b="6211"/>
           <a:stretch/>
         </p:blipFill>
@@ -6454,7 +6901,7 @@
           <p:nvPr/>
         </p:nvPicPr>
         <p:blipFill rotWithShape="1">
-          <a:blip r:embed="rId3"/>
+          <a:blip r:embed="rId4"/>
           <a:srcRect l="49836" t="14815" r="11509" b="77846"/>
           <a:stretch/>
         </p:blipFill>
@@ -6939,7 +7386,7 @@
           <p:nvPr/>
         </p:nvPicPr>
         <p:blipFill>
-          <a:blip r:embed="rId4"/>
+          <a:blip r:embed="rId5"/>
           <a:stretch>
             <a:fillRect/>
           </a:stretch>
@@ -25355,4 +25802,299 @@
     </a:ext>
   </a:extLst>
 </a:theme>
+</file>
+
+<file path=ppt/theme/theme2.xml><?xml version="1.0" encoding="utf-8"?>
+<a:theme xmlns:a="http://schemas.openxmlformats.org/drawingml/2006/main" name="Office Theme">
+  <a:themeElements>
+    <a:clrScheme name="Office">
+      <a:dk1>
+        <a:sysClr val="windowText" lastClr="000000"/>
+      </a:dk1>
+      <a:lt1>
+        <a:sysClr val="window" lastClr="FFFFFF"/>
+      </a:lt1>
+      <a:dk2>
+        <a:srgbClr val="44546A"/>
+      </a:dk2>
+      <a:lt2>
+        <a:srgbClr val="E7E6E6"/>
+      </a:lt2>
+      <a:accent1>
+        <a:srgbClr val="4472C4"/>
+      </a:accent1>
+      <a:accent2>
+        <a:srgbClr val="ED7D31"/>
+      </a:accent2>
+      <a:accent3>
+        <a:srgbClr val="A5A5A5"/>
+      </a:accent3>
+      <a:accent4>
+        <a:srgbClr val="FFC000"/>
+      </a:accent4>
+      <a:accent5>
+        <a:srgbClr val="5B9BD5"/>
+      </a:accent5>
+      <a:accent6>
+        <a:srgbClr val="70AD47"/>
+      </a:accent6>
+      <a:hlink>
+        <a:srgbClr val="0563C1"/>
+      </a:hlink>
+      <a:folHlink>
+        <a:srgbClr val="954F72"/>
+      </a:folHlink>
+    </a:clrScheme>
+    <a:fontScheme name="Office">
+      <a:majorFont>
+        <a:latin typeface="Calibri Light" panose="020F0302020204030204"/>
+        <a:ea typeface=""/>
+        <a:cs typeface=""/>
+        <a:font script="Jpan" typeface="游ゴシック Light"/>
+        <a:font script="Hang" typeface="맑은 고딕"/>
+        <a:font script="Hans" typeface="等线 Light"/>
+        <a:font script="Hant" typeface="新細明體"/>
+        <a:font script="Arab" typeface="Times New Roman"/>
+        <a:font script="Hebr" typeface="Times New Roman"/>
+        <a:font script="Thai" typeface="Angsana New"/>
+        <a:font script="Ethi" typeface="Nyala"/>
+        <a:font script="Beng" typeface="Vrinda"/>
+        <a:font script="Gujr" typeface="Shruti"/>
+        <a:font script="Khmr" typeface="MoolBoran"/>
+        <a:font script="Knda" typeface="Tunga"/>
+        <a:font script="Guru" typeface="Raavi"/>
+        <a:font script="Cans" typeface="Euphemia"/>
+        <a:font script="Cher" typeface="Plantagenet Cherokee"/>
+        <a:font script="Yiii" typeface="Microsoft Yi Baiti"/>
+        <a:font script="Tibt" typeface="Microsoft Himalaya"/>
+        <a:font script="Thaa" typeface="MV Boli"/>
+        <a:font script="Deva" typeface="Mangal"/>
+        <a:font script="Telu" typeface="Gautami"/>
+        <a:font script="Taml" typeface="Latha"/>
+        <a:font script="Syrc" typeface="Estrangelo Edessa"/>
+        <a:font script="Orya" typeface="Kalinga"/>
+        <a:font script="Mlym" typeface="Kartika"/>
+        <a:font script="Laoo" typeface="DokChampa"/>
+        <a:font script="Sinh" typeface="Iskoola Pota"/>
+        <a:font script="Mong" typeface="Mongolian Baiti"/>
+        <a:font script="Viet" typeface="Times New Roman"/>
+        <a:font script="Uigh" typeface="Microsoft Uighur"/>
+        <a:font script="Geor" typeface="Sylfaen"/>
+        <a:font script="Armn" typeface="Arial"/>
+        <a:font script="Bugi" typeface="Leelawadee UI"/>
+        <a:font script="Bopo" typeface="Microsoft JhengHei"/>
+        <a:font script="Java" typeface="Javanese Text"/>
+        <a:font script="Lisu" typeface="Segoe UI"/>
+        <a:font script="Mymr" typeface="Myanmar Text"/>
+        <a:font script="Nkoo" typeface="Ebrima"/>
+        <a:font script="Olck" typeface="Nirmala UI"/>
+        <a:font script="Osma" typeface="Ebrima"/>
+        <a:font script="Phag" typeface="Phagspa"/>
+        <a:font script="Syrn" typeface="Estrangelo Edessa"/>
+        <a:font script="Syrj" typeface="Estrangelo Edessa"/>
+        <a:font script="Syre" typeface="Estrangelo Edessa"/>
+        <a:font script="Sora" typeface="Nirmala UI"/>
+        <a:font script="Tale" typeface="Microsoft Tai Le"/>
+        <a:font script="Talu" typeface="Microsoft New Tai Lue"/>
+        <a:font script="Tfng" typeface="Ebrima"/>
+      </a:majorFont>
+      <a:minorFont>
+        <a:latin typeface="Calibri" panose="020F0502020204030204"/>
+        <a:ea typeface=""/>
+        <a:cs typeface=""/>
+        <a:font script="Jpan" typeface="游ゴシック"/>
+        <a:font script="Hang" typeface="맑은 고딕"/>
+        <a:font script="Hans" typeface="等线"/>
+        <a:font script="Hant" typeface="新細明體"/>
+        <a:font script="Arab" typeface="Arial"/>
+        <a:font script="Hebr" typeface="Arial"/>
+        <a:font script="Thai" typeface="Cordia New"/>
+        <a:font script="Ethi" typeface="Nyala"/>
+        <a:font script="Beng" typeface="Vrinda"/>
+        <a:font script="Gujr" typeface="Shruti"/>
+        <a:font script="Khmr" typeface="DaunPenh"/>
+        <a:font script="Knda" typeface="Tunga"/>
+        <a:font script="Guru" typeface="Raavi"/>
+        <a:font script="Cans" typeface="Euphemia"/>
+        <a:font script="Cher" typeface="Plantagenet Cherokee"/>
+        <a:font script="Yiii" typeface="Microsoft Yi Baiti"/>
+        <a:font script="Tibt" typeface="Microsoft Himalaya"/>
+        <a:font script="Thaa" typeface="MV Boli"/>
+        <a:font script="Deva" typeface="Mangal"/>
+        <a:font script="Telu" typeface="Gautami"/>
+        <a:font script="Taml" typeface="Latha"/>
+        <a:font script="Syrc" typeface="Estrangelo Edessa"/>
+        <a:font script="Orya" typeface="Kalinga"/>
+        <a:font script="Mlym" typeface="Kartika"/>
+        <a:font script="Laoo" typeface="DokChampa"/>
+        <a:font script="Sinh" typeface="Iskoola Pota"/>
+        <a:font script="Mong" typeface="Mongolian Baiti"/>
+        <a:font script="Viet" typeface="Arial"/>
+        <a:font script="Uigh" typeface="Microsoft Uighur"/>
+        <a:font script="Geor" typeface="Sylfaen"/>
+        <a:font script="Armn" typeface="Arial"/>
+        <a:font script="Bugi" typeface="Leelawadee UI"/>
+        <a:font script="Bopo" typeface="Microsoft JhengHei"/>
+        <a:font script="Java" typeface="Javanese Text"/>
+        <a:font script="Lisu" typeface="Segoe UI"/>
+        <a:font script="Mymr" typeface="Myanmar Text"/>
+        <a:font script="Nkoo" typeface="Ebrima"/>
+        <a:font script="Olck" typeface="Nirmala UI"/>
+        <a:font script="Osma" typeface="Ebrima"/>
+        <a:font script="Phag" typeface="Phagspa"/>
+        <a:font script="Syrn" typeface="Estrangelo Edessa"/>
+        <a:font script="Syrj" typeface="Estrangelo Edessa"/>
+        <a:font script="Syre" typeface="Estrangelo Edessa"/>
+        <a:font script="Sora" typeface="Nirmala UI"/>
+        <a:font script="Tale" typeface="Microsoft Tai Le"/>
+        <a:font script="Talu" typeface="Microsoft New Tai Lue"/>
+        <a:font script="Tfng" typeface="Ebrima"/>
+      </a:minorFont>
+    </a:fontScheme>
+    <a:fmtScheme name="Office">
+      <a:fillStyleLst>
+        <a:solidFill>
+          <a:schemeClr val="phClr"/>
+        </a:solidFill>
+        <a:gradFill rotWithShape="1">
+          <a:gsLst>
+            <a:gs pos="0">
+              <a:schemeClr val="phClr">
+                <a:lumMod val="110000"/>
+                <a:satMod val="105000"/>
+                <a:tint val="67000"/>
+              </a:schemeClr>
+            </a:gs>
+            <a:gs pos="50000">
+              <a:schemeClr val="phClr">
+                <a:lumMod val="105000"/>
+                <a:satMod val="103000"/>
+                <a:tint val="73000"/>
+              </a:schemeClr>
+            </a:gs>
+            <a:gs pos="100000">
+              <a:schemeClr val="phClr">
+                <a:lumMod val="105000"/>
+                <a:satMod val="109000"/>
+                <a:tint val="81000"/>
+              </a:schemeClr>
+            </a:gs>
+          </a:gsLst>
+          <a:lin ang="5400000" scaled="0"/>
+        </a:gradFill>
+        <a:gradFill rotWithShape="1">
+          <a:gsLst>
+            <a:gs pos="0">
+              <a:schemeClr val="phClr">
+                <a:satMod val="103000"/>
+                <a:lumMod val="102000"/>
+                <a:tint val="94000"/>
+              </a:schemeClr>
+            </a:gs>
+            <a:gs pos="50000">
+              <a:schemeClr val="phClr">
+                <a:satMod val="110000"/>
+                <a:lumMod val="100000"/>
+                <a:shade val="100000"/>
+              </a:schemeClr>
+            </a:gs>
+            <a:gs pos="100000">
+              <a:schemeClr val="phClr">
+                <a:lumMod val="99000"/>
+                <a:satMod val="120000"/>
+                <a:shade val="78000"/>
+              </a:schemeClr>
+            </a:gs>
+          </a:gsLst>
+          <a:lin ang="5400000" scaled="0"/>
+        </a:gradFill>
+      </a:fillStyleLst>
+      <a:lnStyleLst>
+        <a:ln w="6350" cap="flat" cmpd="sng" algn="ctr">
+          <a:solidFill>
+            <a:schemeClr val="phClr"/>
+          </a:solidFill>
+          <a:prstDash val="solid"/>
+          <a:miter lim="800000"/>
+        </a:ln>
+        <a:ln w="12700" cap="flat" cmpd="sng" algn="ctr">
+          <a:solidFill>
+            <a:schemeClr val="phClr"/>
+          </a:solidFill>
+          <a:prstDash val="solid"/>
+          <a:miter lim="800000"/>
+        </a:ln>
+        <a:ln w="19050" cap="flat" cmpd="sng" algn="ctr">
+          <a:solidFill>
+            <a:schemeClr val="phClr"/>
+          </a:solidFill>
+          <a:prstDash val="solid"/>
+          <a:miter lim="800000"/>
+        </a:ln>
+      </a:lnStyleLst>
+      <a:effectStyleLst>
+        <a:effectStyle>
+          <a:effectLst/>
+        </a:effectStyle>
+        <a:effectStyle>
+          <a:effectLst/>
+        </a:effectStyle>
+        <a:effectStyle>
+          <a:effectLst>
+            <a:outerShdw blurRad="57150" dist="19050" dir="5400000" algn="ctr" rotWithShape="0">
+              <a:srgbClr val="000000">
+                <a:alpha val="63000"/>
+              </a:srgbClr>
+            </a:outerShdw>
+          </a:effectLst>
+        </a:effectStyle>
+      </a:effectStyleLst>
+      <a:bgFillStyleLst>
+        <a:solidFill>
+          <a:schemeClr val="phClr"/>
+        </a:solidFill>
+        <a:solidFill>
+          <a:schemeClr val="phClr">
+            <a:tint val="95000"/>
+            <a:satMod val="170000"/>
+          </a:schemeClr>
+        </a:solidFill>
+        <a:gradFill rotWithShape="1">
+          <a:gsLst>
+            <a:gs pos="0">
+              <a:schemeClr val="phClr">
+                <a:tint val="93000"/>
+                <a:satMod val="150000"/>
+                <a:shade val="98000"/>
+                <a:lumMod val="102000"/>
+              </a:schemeClr>
+            </a:gs>
+            <a:gs pos="50000">
+              <a:schemeClr val="phClr">
+                <a:tint val="98000"/>
+                <a:satMod val="130000"/>
+                <a:shade val="90000"/>
+                <a:lumMod val="103000"/>
+              </a:schemeClr>
+            </a:gs>
+            <a:gs pos="100000">
+              <a:schemeClr val="phClr">
+                <a:shade val="63000"/>
+                <a:satMod val="120000"/>
+              </a:schemeClr>
+            </a:gs>
+          </a:gsLst>
+          <a:lin ang="5400000" scaled="0"/>
+        </a:gradFill>
+      </a:bgFillStyleLst>
+    </a:fmtScheme>
+  </a:themeElements>
+  <a:objectDefaults/>
+  <a:extraClrSchemeLst/>
+  <a:extLst>
+    <a:ext uri="{05A4C25C-085E-4340-85A3-A5531E510DB2}">
+      <thm15:themeFamily xmlns:thm15="http://schemas.microsoft.com/office/thememl/2012/main" name="Office Theme" id="{62F939B6-93AF-4DB8-9C6B-D6C7DFDC589F}" vid="{4A3C46E8-61CC-4603-A589-7422A47A8E4A}"/>
+    </a:ext>
+  </a:extLst>
+</a:theme>
 </file>
--- a/Prototypes/Prototype (Cust and Factory Dashboards).pptx
+++ b/Prototypes/Prototype (Cust and Factory Dashboards).pptx
@@ -252,9 +252,9 @@
             </a:lvl1pPr>
           </a:lstStyle>
           <a:p>
-            <a:fld id="{EA786845-96BA-4A4B-ADCB-BE6BEE8BE2DB}" type="datetimeFigureOut">
+            <a:fld id="{830077C9-CE87-4AE3-A690-4ACC889C54FF}" type="datetimeFigureOut">
               <a:rPr lang="en-SG" smtClean="0"/>
-              <a:t>23/9/2017</a:t>
+              <a:t>5/10/2017</a:t>
             </a:fld>
             <a:endParaRPr lang="en-SG"/>
           </a:p>
@@ -411,7 +411,7 @@
             </a:lvl1pPr>
           </a:lstStyle>
           <a:p>
-            <a:fld id="{EF9496BF-0A40-4558-BCD7-7A30B001C100}" type="slidenum">
+            <a:fld id="{F2641220-957B-4CCA-9B75-DB5D9D9B023F}" type="slidenum">
               <a:rPr lang="en-SG" smtClean="0"/>
               <a:t>‹#›</a:t>
             </a:fld>
@@ -422,7 +422,7 @@
     </p:spTree>
     <p:extLst>
       <p:ext uri="{BB962C8B-B14F-4D97-AF65-F5344CB8AC3E}">
-        <p14:creationId xmlns:p14="http://schemas.microsoft.com/office/powerpoint/2010/main" val="1783855512"/>
+        <p14:creationId xmlns:p14="http://schemas.microsoft.com/office/powerpoint/2010/main" val="156789044"/>
       </p:ext>
     </p:extLst>
   </p:cSld>
@@ -566,13 +566,7 @@
           <a:bodyPr/>
           <a:lstStyle/>
           <a:p>
-            <a:r>
-              <a:rPr lang="en-SG"/>
-              <a:t>Add courier </a:t>
-            </a:r>
-          </a:p>
-          <a:p>
-            <a:endParaRPr lang="en-SG" dirty="0"/>
+            <a:endParaRPr lang="en-SG"/>
           </a:p>
         </p:txBody>
       </p:sp>
@@ -591,7 +585,7 @@
           <a:bodyPr/>
           <a:lstStyle/>
           <a:p>
-            <a:fld id="{EF9496BF-0A40-4558-BCD7-7A30B001C100}" type="slidenum">
+            <a:fld id="{F2641220-957B-4CCA-9B75-DB5D9D9B023F}" type="slidenum">
               <a:rPr lang="en-SG" smtClean="0"/>
               <a:t>11</a:t>
             </a:fld>
@@ -602,7 +596,7 @@
     </p:spTree>
     <p:extLst>
       <p:ext uri="{BB962C8B-B14F-4D97-AF65-F5344CB8AC3E}">
-        <p14:creationId xmlns:p14="http://schemas.microsoft.com/office/powerpoint/2010/main" val="4166790122"/>
+        <p14:creationId xmlns:p14="http://schemas.microsoft.com/office/powerpoint/2010/main" val="516238596"/>
       </p:ext>
     </p:extLst>
   </p:cSld>
@@ -761,7 +755,7 @@
           <a:p>
             <a:fld id="{818036F4-BFBF-458A-A5B2-75C07D714F19}" type="datetimeFigureOut">
               <a:rPr lang="en-SG" smtClean="0"/>
-              <a:t>23/9/2017</a:t>
+              <a:t>5/10/2017</a:t>
             </a:fld>
             <a:endParaRPr lang="en-SG"/>
           </a:p>
@@ -961,7 +955,7 @@
           <a:p>
             <a:fld id="{818036F4-BFBF-458A-A5B2-75C07D714F19}" type="datetimeFigureOut">
               <a:rPr lang="en-SG" smtClean="0"/>
-              <a:t>23/9/2017</a:t>
+              <a:t>5/10/2017</a:t>
             </a:fld>
             <a:endParaRPr lang="en-SG"/>
           </a:p>
@@ -1171,7 +1165,7 @@
           <a:p>
             <a:fld id="{818036F4-BFBF-458A-A5B2-75C07D714F19}" type="datetimeFigureOut">
               <a:rPr lang="en-SG" smtClean="0"/>
-              <a:t>23/9/2017</a:t>
+              <a:t>5/10/2017</a:t>
             </a:fld>
             <a:endParaRPr lang="en-SG"/>
           </a:p>
@@ -1371,7 +1365,7 @@
           <a:p>
             <a:fld id="{818036F4-BFBF-458A-A5B2-75C07D714F19}" type="datetimeFigureOut">
               <a:rPr lang="en-SG" smtClean="0"/>
-              <a:t>23/9/2017</a:t>
+              <a:t>5/10/2017</a:t>
             </a:fld>
             <a:endParaRPr lang="en-SG"/>
           </a:p>
@@ -1647,7 +1641,7 @@
           <a:p>
             <a:fld id="{818036F4-BFBF-458A-A5B2-75C07D714F19}" type="datetimeFigureOut">
               <a:rPr lang="en-SG" smtClean="0"/>
-              <a:t>23/9/2017</a:t>
+              <a:t>5/10/2017</a:t>
             </a:fld>
             <a:endParaRPr lang="en-SG"/>
           </a:p>
@@ -1915,7 +1909,7 @@
           <a:p>
             <a:fld id="{818036F4-BFBF-458A-A5B2-75C07D714F19}" type="datetimeFigureOut">
               <a:rPr lang="en-SG" smtClean="0"/>
-              <a:t>23/9/2017</a:t>
+              <a:t>5/10/2017</a:t>
             </a:fld>
             <a:endParaRPr lang="en-SG"/>
           </a:p>
@@ -2330,7 +2324,7 @@
           <a:p>
             <a:fld id="{818036F4-BFBF-458A-A5B2-75C07D714F19}" type="datetimeFigureOut">
               <a:rPr lang="en-SG" smtClean="0"/>
-              <a:t>23/9/2017</a:t>
+              <a:t>5/10/2017</a:t>
             </a:fld>
             <a:endParaRPr lang="en-SG"/>
           </a:p>
@@ -2472,7 +2466,7 @@
           <a:p>
             <a:fld id="{818036F4-BFBF-458A-A5B2-75C07D714F19}" type="datetimeFigureOut">
               <a:rPr lang="en-SG" smtClean="0"/>
-              <a:t>23/9/2017</a:t>
+              <a:t>5/10/2017</a:t>
             </a:fld>
             <a:endParaRPr lang="en-SG"/>
           </a:p>
@@ -2585,7 +2579,7 @@
           <a:p>
             <a:fld id="{818036F4-BFBF-458A-A5B2-75C07D714F19}" type="datetimeFigureOut">
               <a:rPr lang="en-SG" smtClean="0"/>
-              <a:t>23/9/2017</a:t>
+              <a:t>5/10/2017</a:t>
             </a:fld>
             <a:endParaRPr lang="en-SG"/>
           </a:p>
@@ -2898,7 +2892,7 @@
           <a:p>
             <a:fld id="{818036F4-BFBF-458A-A5B2-75C07D714F19}" type="datetimeFigureOut">
               <a:rPr lang="en-SG" smtClean="0"/>
-              <a:t>23/9/2017</a:t>
+              <a:t>5/10/2017</a:t>
             </a:fld>
             <a:endParaRPr lang="en-SG"/>
           </a:p>
@@ -3187,7 +3181,7 @@
           <a:p>
             <a:fld id="{818036F4-BFBF-458A-A5B2-75C07D714F19}" type="datetimeFigureOut">
               <a:rPr lang="en-SG" smtClean="0"/>
-              <a:t>23/9/2017</a:t>
+              <a:t>5/10/2017</a:t>
             </a:fld>
             <a:endParaRPr lang="en-SG"/>
           </a:p>
@@ -3430,7 +3424,7 @@
           <a:p>
             <a:fld id="{818036F4-BFBF-458A-A5B2-75C07D714F19}" type="datetimeFigureOut">
               <a:rPr lang="en-SG" smtClean="0"/>
-              <a:t>23/9/2017</a:t>
+              <a:t>5/10/2017</a:t>
             </a:fld>
             <a:endParaRPr lang="en-SG"/>
           </a:p>
@@ -6521,7 +6515,7 @@
         </p:blipFill>
         <p:spPr>
           <a:xfrm>
-            <a:off x="609600" y="171939"/>
+            <a:off x="633579" y="173460"/>
             <a:ext cx="10972800" cy="6432062"/>
           </a:xfrm>
           <a:prstGeom prst="rect">
@@ -6529,78 +6523,6 @@
           </a:prstGeom>
         </p:spPr>
       </p:pic>
-      <p:sp>
-        <p:nvSpPr>
-          <p:cNvPr id="3" name="TextBox 2">
-            <a:extLst>
-              <a:ext uri="{FF2B5EF4-FFF2-40B4-BE49-F238E27FC236}">
-                <a16:creationId xmlns:a16="http://schemas.microsoft.com/office/drawing/2014/main" id="{38774ACC-5DF0-41C9-ADC8-315B9594BC49}"/>
-              </a:ext>
-            </a:extLst>
-          </p:cNvPr>
-          <p:cNvSpPr txBox="1"/>
-          <p:nvPr/>
-        </p:nvSpPr>
-        <p:spPr>
-          <a:xfrm>
-            <a:off x="2708726" y="770021"/>
-            <a:ext cx="3114250" cy="369332"/>
-          </a:xfrm>
-          <a:prstGeom prst="rect">
-            <a:avLst/>
-          </a:prstGeom>
-          <a:noFill/>
-        </p:spPr>
-        <p:txBody>
-          <a:bodyPr wrap="none" rtlCol="0">
-            <a:spAutoFit/>
-          </a:bodyPr>
-          <a:lstStyle/>
-          <a:p>
-            <a:r>
-              <a:rPr lang="en-SG" dirty="0"/>
-              <a:t>Order Management Dashboard</a:t>
-            </a:r>
-          </a:p>
-        </p:txBody>
-      </p:sp>
-      <p:sp>
-        <p:nvSpPr>
-          <p:cNvPr id="39" name="TextBox 38">
-            <a:extLst>
-              <a:ext uri="{FF2B5EF4-FFF2-40B4-BE49-F238E27FC236}">
-                <a16:creationId xmlns:a16="http://schemas.microsoft.com/office/drawing/2014/main" id="{1D079E15-E065-4551-97DB-71E863E1A130}"/>
-              </a:ext>
-            </a:extLst>
-          </p:cNvPr>
-          <p:cNvSpPr txBox="1"/>
-          <p:nvPr/>
-        </p:nvSpPr>
-        <p:spPr>
-          <a:xfrm>
-            <a:off x="700611" y="3186364"/>
-            <a:ext cx="1631409" cy="307777"/>
-          </a:xfrm>
-          <a:prstGeom prst="rect">
-            <a:avLst/>
-          </a:prstGeom>
-          <a:solidFill>
-            <a:srgbClr val="FFC000"/>
-          </a:solidFill>
-        </p:spPr>
-        <p:txBody>
-          <a:bodyPr wrap="none" rtlCol="0">
-            <a:spAutoFit/>
-          </a:bodyPr>
-          <a:lstStyle/>
-          <a:p>
-            <a:r>
-              <a:rPr lang="en-SG" sz="1400" dirty="0"/>
-              <a:t>Order Management</a:t>
-            </a:r>
-          </a:p>
-        </p:txBody>
-      </p:sp>
       <p:graphicFrame>
         <p:nvGraphicFramePr>
           <p:cNvPr id="9" name="Table 8">
@@ -6616,14 +6538,14 @@
           <p:nvPr>
             <p:extLst>
               <p:ext uri="{D42A27DB-BD31-4B8C-83A1-F6EECF244321}">
-                <p14:modId xmlns:p14="http://schemas.microsoft.com/office/powerpoint/2010/main" val="1336571005"/>
+                <p14:modId xmlns:p14="http://schemas.microsoft.com/office/powerpoint/2010/main" val="3962010415"/>
               </p:ext>
             </p:extLst>
           </p:nvPr>
         </p:nvGraphicFramePr>
         <p:xfrm>
           <a:off x="2831840" y="1800524"/>
-          <a:ext cx="8261276" cy="889000"/>
+          <a:ext cx="8261275" cy="1036320"/>
         </p:xfrm>
         <a:graphic>
           <a:graphicData uri="http://schemas.openxmlformats.org/drawingml/2006/table">
@@ -6632,35 +6554,42 @@
                 <a:tableStyleId>{5C22544A-7EE6-4342-B048-85BDC9FD1C3A}</a:tableStyleId>
               </a:tblPr>
               <a:tblGrid>
-                <a:gridCol w="1868280">
+                <a:gridCol w="1523697">
                   <a:extLst>
                     <a:ext uri="{9D8B030D-6E8A-4147-A177-3AD203B41FA5}">
                       <a16:colId xmlns:a16="http://schemas.microsoft.com/office/drawing/2014/main" val="2898927634"/>
                     </a:ext>
                   </a:extLst>
                 </a:gridCol>
-                <a:gridCol w="2011199">
+                <a:gridCol w="1523697">
+                  <a:extLst>
+                    <a:ext uri="{9D8B030D-6E8A-4147-A177-3AD203B41FA5}">
+                      <a16:colId xmlns:a16="http://schemas.microsoft.com/office/drawing/2014/main" val="4283237801"/>
+                    </a:ext>
+                  </a:extLst>
+                </a:gridCol>
+                <a:gridCol w="1640256">
                   <a:extLst>
                     <a:ext uri="{9D8B030D-6E8A-4147-A177-3AD203B41FA5}">
                       <a16:colId xmlns:a16="http://schemas.microsoft.com/office/drawing/2014/main" val="3503901138"/>
                     </a:ext>
                   </a:extLst>
                 </a:gridCol>
-                <a:gridCol w="1735117">
+                <a:gridCol w="1415095">
                   <a:extLst>
                     <a:ext uri="{9D8B030D-6E8A-4147-A177-3AD203B41FA5}">
                       <a16:colId xmlns:a16="http://schemas.microsoft.com/office/drawing/2014/main" val="592708167"/>
                     </a:ext>
                   </a:extLst>
                 </a:gridCol>
-                <a:gridCol w="1319849">
+                <a:gridCol w="1076418">
                   <a:extLst>
                     <a:ext uri="{9D8B030D-6E8A-4147-A177-3AD203B41FA5}">
                       <a16:colId xmlns:a16="http://schemas.microsoft.com/office/drawing/2014/main" val="537909844"/>
                     </a:ext>
                   </a:extLst>
                 </a:gridCol>
-                <a:gridCol w="1326831">
+                <a:gridCol w="1082112">
                   <a:extLst>
                     <a:ext uri="{9D8B030D-6E8A-4147-A177-3AD203B41FA5}">
                       <a16:colId xmlns:a16="http://schemas.microsoft.com/office/drawing/2014/main" val="4250037354"/>
@@ -6689,6 +6618,19 @@
                     <a:p>
                       <a:r>
                         <a:rPr lang="en-SG" sz="1400" dirty="0"/>
+                        <a:t>Courier</a:t>
+                      </a:r>
+                    </a:p>
+                  </a:txBody>
+                  <a:tcPr/>
+                </a:tc>
+                <a:tc>
+                  <a:txBody>
+                    <a:bodyPr/>
+                    <a:lstStyle/>
+                    <a:p>
+                      <a:r>
+                        <a:rPr lang="en-SG" sz="1400" dirty="0"/>
                         <a:t>Shipping Tracking Number</a:t>
                       </a:r>
                     </a:p>
@@ -6750,6 +6692,20 @@
                         <a:rPr lang="en-SG" sz="1400" dirty="0"/>
                         <a:t>In Transit</a:t>
                       </a:r>
+                    </a:p>
+                  </a:txBody>
+                  <a:tcPr/>
+                </a:tc>
+                <a:tc>
+                  <a:txBody>
+                    <a:bodyPr/>
+                    <a:lstStyle/>
+                    <a:p>
+                      <a:r>
+                        <a:rPr lang="en-SG" sz="1400" dirty="0" err="1"/>
+                        <a:t>ShunFeng</a:t>
+                      </a:r>
+                      <a:endParaRPr lang="en-SG" sz="1400" dirty="0"/>
                     </a:p>
                   </a:txBody>
                   <a:tcPr/>
@@ -6818,595 +6774,10 @@
       </p:graphicFrame>
       <p:sp>
         <p:nvSpPr>
-          <p:cNvPr id="10" name="TextBox 9">
-            <a:extLst>
-              <a:ext uri="{FF2B5EF4-FFF2-40B4-BE49-F238E27FC236}">
-                <a16:creationId xmlns:a16="http://schemas.microsoft.com/office/drawing/2014/main" id="{6CD196DA-C066-40C3-809A-504F72F5D111}"/>
-              </a:ext>
-            </a:extLst>
-          </p:cNvPr>
-          <p:cNvSpPr txBox="1"/>
-          <p:nvPr/>
-        </p:nvSpPr>
-        <p:spPr>
-          <a:xfrm>
-            <a:off x="2770889" y="1426458"/>
-            <a:ext cx="2255810" cy="369332"/>
-          </a:xfrm>
-          <a:prstGeom prst="rect">
-            <a:avLst/>
-          </a:prstGeom>
-          <a:noFill/>
-        </p:spPr>
-        <p:txBody>
-          <a:bodyPr wrap="none" rtlCol="0">
-            <a:spAutoFit/>
-          </a:bodyPr>
-          <a:lstStyle/>
-          <a:p>
-            <a:r>
-              <a:rPr lang="en-SG" dirty="0"/>
-              <a:t>Order Number: #0001</a:t>
-            </a:r>
-          </a:p>
-        </p:txBody>
-      </p:sp>
-      <p:sp>
-        <p:nvSpPr>
-          <p:cNvPr id="7" name="TextBox 6">
-            <a:extLst>
-              <a:ext uri="{FF2B5EF4-FFF2-40B4-BE49-F238E27FC236}">
-                <a16:creationId xmlns:a16="http://schemas.microsoft.com/office/drawing/2014/main" id="{6156B812-76F0-4103-8E33-107C5165CD0B}"/>
-              </a:ext>
-            </a:extLst>
-          </p:cNvPr>
-          <p:cNvSpPr txBox="1"/>
-          <p:nvPr/>
-        </p:nvSpPr>
-        <p:spPr>
-          <a:xfrm>
-            <a:off x="2831840" y="2911925"/>
-            <a:ext cx="2846998" cy="369332"/>
-          </a:xfrm>
-          <a:prstGeom prst="rect">
-            <a:avLst/>
-          </a:prstGeom>
-          <a:noFill/>
-        </p:spPr>
-        <p:txBody>
-          <a:bodyPr wrap="none" rtlCol="0">
-            <a:spAutoFit/>
-          </a:bodyPr>
-          <a:lstStyle/>
-          <a:p>
-            <a:r>
-              <a:rPr lang="en-SG" dirty="0"/>
-              <a:t>Stripe Charge ID: abc123456</a:t>
-            </a:r>
-          </a:p>
-        </p:txBody>
-      </p:sp>
-      <p:pic>
-        <p:nvPicPr>
-          <p:cNvPr id="13" name="Picture 12">
-            <a:extLst>
-              <a:ext uri="{FF2B5EF4-FFF2-40B4-BE49-F238E27FC236}">
-                <a16:creationId xmlns:a16="http://schemas.microsoft.com/office/drawing/2014/main" id="{48B6578A-3F61-475F-97A4-0207A2496BC7}"/>
-              </a:ext>
-            </a:extLst>
-          </p:cNvPr>
-          <p:cNvPicPr>
-            <a:picLocks noChangeAspect="1"/>
-          </p:cNvPicPr>
-          <p:nvPr/>
-        </p:nvPicPr>
-        <p:blipFill rotWithShape="1">
-          <a:blip r:embed="rId4"/>
-          <a:srcRect l="49836" t="14815" r="11509" b="77846"/>
-          <a:stretch/>
-        </p:blipFill>
-        <p:spPr>
-          <a:xfrm>
-            <a:off x="2770889" y="4501202"/>
-            <a:ext cx="4211970" cy="503305"/>
-          </a:xfrm>
-          <a:prstGeom prst="rect">
-            <a:avLst/>
-          </a:prstGeom>
-        </p:spPr>
-      </p:pic>
-      <p:sp>
-        <p:nvSpPr>
-          <p:cNvPr id="15" name="TextBox 14">
-            <a:extLst>
-              <a:ext uri="{FF2B5EF4-FFF2-40B4-BE49-F238E27FC236}">
-                <a16:creationId xmlns:a16="http://schemas.microsoft.com/office/drawing/2014/main" id="{3A9277E9-436E-4BA2-BA60-909B430B9B00}"/>
-              </a:ext>
-            </a:extLst>
-          </p:cNvPr>
-          <p:cNvSpPr txBox="1"/>
-          <p:nvPr/>
-        </p:nvSpPr>
-        <p:spPr>
-          <a:xfrm>
-            <a:off x="2819725" y="5049011"/>
-            <a:ext cx="769185" cy="307777"/>
-          </a:xfrm>
-          <a:prstGeom prst="rect">
-            <a:avLst/>
-          </a:prstGeom>
-          <a:noFill/>
-        </p:spPr>
-        <p:txBody>
-          <a:bodyPr wrap="none" rtlCol="0">
-            <a:spAutoFit/>
-          </a:bodyPr>
-          <a:lstStyle/>
-          <a:p>
-            <a:r>
-              <a:rPr lang="en-SG" sz="1400" b="1" dirty="0"/>
-              <a:t>Product</a:t>
-            </a:r>
-          </a:p>
-        </p:txBody>
-      </p:sp>
-      <p:sp>
-        <p:nvSpPr>
-          <p:cNvPr id="16" name="TextBox 15">
-            <a:extLst>
-              <a:ext uri="{FF2B5EF4-FFF2-40B4-BE49-F238E27FC236}">
-                <a16:creationId xmlns:a16="http://schemas.microsoft.com/office/drawing/2014/main" id="{5DFE538B-6323-48FC-8266-CF2935449893}"/>
-              </a:ext>
-            </a:extLst>
-          </p:cNvPr>
-          <p:cNvSpPr txBox="1"/>
-          <p:nvPr/>
-        </p:nvSpPr>
-        <p:spPr>
-          <a:xfrm>
-            <a:off x="3610848" y="5049010"/>
-            <a:ext cx="734625" cy="307777"/>
-          </a:xfrm>
-          <a:prstGeom prst="rect">
-            <a:avLst/>
-          </a:prstGeom>
-          <a:noFill/>
-        </p:spPr>
-        <p:txBody>
-          <a:bodyPr wrap="none" rtlCol="0">
-            <a:spAutoFit/>
-          </a:bodyPr>
-          <a:lstStyle/>
-          <a:p>
-            <a:r>
-              <a:rPr lang="en-SG" sz="1400" b="1" dirty="0"/>
-              <a:t>Pattern</a:t>
-            </a:r>
-          </a:p>
-        </p:txBody>
-      </p:sp>
-      <p:sp>
-        <p:nvSpPr>
-          <p:cNvPr id="17" name="TextBox 16">
-            <a:extLst>
-              <a:ext uri="{FF2B5EF4-FFF2-40B4-BE49-F238E27FC236}">
-                <a16:creationId xmlns:a16="http://schemas.microsoft.com/office/drawing/2014/main" id="{848F6D35-4263-4874-B5BA-EE87B49235ED}"/>
-              </a:ext>
-            </a:extLst>
-          </p:cNvPr>
-          <p:cNvSpPr txBox="1"/>
-          <p:nvPr/>
-        </p:nvSpPr>
-        <p:spPr>
-          <a:xfrm>
-            <a:off x="4499360" y="5049009"/>
-            <a:ext cx="820417" cy="307777"/>
-          </a:xfrm>
-          <a:prstGeom prst="rect">
-            <a:avLst/>
-          </a:prstGeom>
-          <a:noFill/>
-        </p:spPr>
-        <p:txBody>
-          <a:bodyPr wrap="none" rtlCol="0">
-            <a:spAutoFit/>
-          </a:bodyPr>
-          <a:lstStyle/>
-          <a:p>
-            <a:r>
-              <a:rPr lang="en-SG" sz="1400" b="1" dirty="0"/>
-              <a:t>Material</a:t>
-            </a:r>
-          </a:p>
-        </p:txBody>
-      </p:sp>
-      <p:sp>
-        <p:nvSpPr>
-          <p:cNvPr id="18" name="TextBox 17">
-            <a:extLst>
-              <a:ext uri="{FF2B5EF4-FFF2-40B4-BE49-F238E27FC236}">
-                <a16:creationId xmlns:a16="http://schemas.microsoft.com/office/drawing/2014/main" id="{2008C0AB-A15C-4727-BEDA-6B5DB92CB417}"/>
-              </a:ext>
-            </a:extLst>
-          </p:cNvPr>
-          <p:cNvSpPr txBox="1"/>
-          <p:nvPr/>
-        </p:nvSpPr>
-        <p:spPr>
-          <a:xfrm>
-            <a:off x="5539371" y="5049008"/>
-            <a:ext cx="580608" cy="307777"/>
-          </a:xfrm>
-          <a:prstGeom prst="rect">
-            <a:avLst/>
-          </a:prstGeom>
-          <a:noFill/>
-        </p:spPr>
-        <p:txBody>
-          <a:bodyPr wrap="none" rtlCol="0">
-            <a:spAutoFit/>
-          </a:bodyPr>
-          <a:lstStyle/>
-          <a:p>
-            <a:r>
-              <a:rPr lang="en-SG" sz="1400" b="1" dirty="0" err="1"/>
-              <a:t>Color</a:t>
-            </a:r>
-            <a:endParaRPr lang="en-SG" sz="1400" b="1" dirty="0"/>
-          </a:p>
-        </p:txBody>
-      </p:sp>
-      <p:sp>
-        <p:nvSpPr>
-          <p:cNvPr id="19" name="TextBox 18">
-            <a:extLst>
-              <a:ext uri="{FF2B5EF4-FFF2-40B4-BE49-F238E27FC236}">
-                <a16:creationId xmlns:a16="http://schemas.microsoft.com/office/drawing/2014/main" id="{9B31A6F7-F142-48B0-9EFA-DB1494D393C5}"/>
-              </a:ext>
-            </a:extLst>
-          </p:cNvPr>
-          <p:cNvSpPr txBox="1"/>
-          <p:nvPr/>
-        </p:nvSpPr>
-        <p:spPr>
-          <a:xfrm>
-            <a:off x="6419682" y="5049008"/>
-            <a:ext cx="473078" cy="307777"/>
-          </a:xfrm>
-          <a:prstGeom prst="rect">
-            <a:avLst/>
-          </a:prstGeom>
-          <a:noFill/>
-        </p:spPr>
-        <p:txBody>
-          <a:bodyPr wrap="none" rtlCol="0">
-            <a:spAutoFit/>
-          </a:bodyPr>
-          <a:lstStyle/>
-          <a:p>
-            <a:r>
-              <a:rPr lang="en-SG" sz="1400" b="1" dirty="0"/>
-              <a:t>Size</a:t>
-            </a:r>
-          </a:p>
-        </p:txBody>
-      </p:sp>
-      <p:sp>
-        <p:nvSpPr>
-          <p:cNvPr id="21" name="TextBox 20">
-            <a:extLst>
-              <a:ext uri="{FF2B5EF4-FFF2-40B4-BE49-F238E27FC236}">
-                <a16:creationId xmlns:a16="http://schemas.microsoft.com/office/drawing/2014/main" id="{10AB74D9-18B0-48FC-B377-5B244461A5F6}"/>
-              </a:ext>
-            </a:extLst>
-          </p:cNvPr>
-          <p:cNvSpPr txBox="1"/>
-          <p:nvPr/>
-        </p:nvSpPr>
-        <p:spPr>
-          <a:xfrm>
-            <a:off x="2796916" y="5739838"/>
-            <a:ext cx="782587" cy="307777"/>
-          </a:xfrm>
-          <a:prstGeom prst="rect">
-            <a:avLst/>
-          </a:prstGeom>
-          <a:noFill/>
-        </p:spPr>
-        <p:txBody>
-          <a:bodyPr wrap="none" rtlCol="0">
-            <a:spAutoFit/>
-          </a:bodyPr>
-          <a:lstStyle/>
-          <a:p>
-            <a:r>
-              <a:rPr lang="en-SG" sz="1400" dirty="0"/>
-              <a:t>Bedding</a:t>
-            </a:r>
-          </a:p>
-        </p:txBody>
-      </p:sp>
-      <p:sp>
-        <p:nvSpPr>
-          <p:cNvPr id="22" name="TextBox 21">
-            <a:extLst>
-              <a:ext uri="{FF2B5EF4-FFF2-40B4-BE49-F238E27FC236}">
-                <a16:creationId xmlns:a16="http://schemas.microsoft.com/office/drawing/2014/main" id="{D9858EFC-4C22-4182-9FF5-708BD7492EA0}"/>
-              </a:ext>
-            </a:extLst>
-          </p:cNvPr>
-          <p:cNvSpPr txBox="1"/>
-          <p:nvPr/>
-        </p:nvSpPr>
-        <p:spPr>
-          <a:xfrm>
-            <a:off x="3588212" y="5739838"/>
-            <a:ext cx="817147" cy="307777"/>
-          </a:xfrm>
-          <a:prstGeom prst="rect">
-            <a:avLst/>
-          </a:prstGeom>
-          <a:noFill/>
-        </p:spPr>
-        <p:txBody>
-          <a:bodyPr wrap="none" rtlCol="0">
-            <a:spAutoFit/>
-          </a:bodyPr>
-          <a:lstStyle/>
-          <a:p>
-            <a:r>
-              <a:rPr lang="en-SG" sz="1400" dirty="0"/>
-              <a:t>P01 Tree</a:t>
-            </a:r>
-          </a:p>
-        </p:txBody>
-      </p:sp>
-      <p:sp>
-        <p:nvSpPr>
-          <p:cNvPr id="23" name="TextBox 22">
-            <a:extLst>
-              <a:ext uri="{FF2B5EF4-FFF2-40B4-BE49-F238E27FC236}">
-                <a16:creationId xmlns:a16="http://schemas.microsoft.com/office/drawing/2014/main" id="{708AE684-87DB-48D2-83EE-5465DF9B304C}"/>
-              </a:ext>
-            </a:extLst>
-          </p:cNvPr>
-          <p:cNvSpPr txBox="1"/>
-          <p:nvPr/>
-        </p:nvSpPr>
-        <p:spPr>
-          <a:xfrm>
-            <a:off x="4431116" y="5739837"/>
-            <a:ext cx="808235" cy="307777"/>
-          </a:xfrm>
-          <a:prstGeom prst="rect">
-            <a:avLst/>
-          </a:prstGeom>
-          <a:noFill/>
-        </p:spPr>
-        <p:txBody>
-          <a:bodyPr wrap="none" rtlCol="0">
-            <a:spAutoFit/>
-          </a:bodyPr>
-          <a:lstStyle/>
-          <a:p>
-            <a:r>
-              <a:rPr lang="en-SG" sz="1400" dirty="0"/>
-              <a:t>M01 Silk</a:t>
-            </a:r>
-          </a:p>
-        </p:txBody>
-      </p:sp>
-      <p:sp>
-        <p:nvSpPr>
-          <p:cNvPr id="24" name="TextBox 23">
-            <a:extLst>
-              <a:ext uri="{FF2B5EF4-FFF2-40B4-BE49-F238E27FC236}">
-                <a16:creationId xmlns:a16="http://schemas.microsoft.com/office/drawing/2014/main" id="{3F881687-A9D9-4B6F-AD35-5356B51F1D9F}"/>
-              </a:ext>
-            </a:extLst>
-          </p:cNvPr>
-          <p:cNvSpPr txBox="1"/>
-          <p:nvPr/>
-        </p:nvSpPr>
-        <p:spPr>
-          <a:xfrm>
-            <a:off x="5371418" y="5739836"/>
-            <a:ext cx="814647" cy="307777"/>
-          </a:xfrm>
-          <a:prstGeom prst="rect">
-            <a:avLst/>
-          </a:prstGeom>
-          <a:noFill/>
-        </p:spPr>
-        <p:txBody>
-          <a:bodyPr wrap="none" rtlCol="0">
-            <a:spAutoFit/>
-          </a:bodyPr>
-          <a:lstStyle/>
-          <a:p>
-            <a:r>
-              <a:rPr lang="en-SG" sz="1400" dirty="0"/>
-              <a:t>C01 Pink</a:t>
-            </a:r>
-          </a:p>
-        </p:txBody>
-      </p:sp>
-      <p:sp>
-        <p:nvSpPr>
-          <p:cNvPr id="25" name="TextBox 24">
-            <a:extLst>
-              <a:ext uri="{FF2B5EF4-FFF2-40B4-BE49-F238E27FC236}">
-                <a16:creationId xmlns:a16="http://schemas.microsoft.com/office/drawing/2014/main" id="{75F5B0F6-5522-4557-A88F-A2FBD3A72268}"/>
-              </a:ext>
-            </a:extLst>
-          </p:cNvPr>
-          <p:cNvSpPr txBox="1"/>
-          <p:nvPr/>
-        </p:nvSpPr>
-        <p:spPr>
-          <a:xfrm>
-            <a:off x="6318132" y="5739835"/>
-            <a:ext cx="673582" cy="307777"/>
-          </a:xfrm>
-          <a:prstGeom prst="rect">
-            <a:avLst/>
-          </a:prstGeom>
-          <a:noFill/>
-        </p:spPr>
-        <p:txBody>
-          <a:bodyPr wrap="none" rtlCol="0">
-            <a:spAutoFit/>
-          </a:bodyPr>
-          <a:lstStyle/>
-          <a:p>
-            <a:r>
-              <a:rPr lang="en-SG" sz="1400" dirty="0"/>
-              <a:t>Queen</a:t>
-            </a:r>
-          </a:p>
-        </p:txBody>
-      </p:sp>
-      <p:sp>
-        <p:nvSpPr>
-          <p:cNvPr id="26" name="TextBox 25">
-            <a:extLst>
-              <a:ext uri="{FF2B5EF4-FFF2-40B4-BE49-F238E27FC236}">
-                <a16:creationId xmlns:a16="http://schemas.microsoft.com/office/drawing/2014/main" id="{52FF2E7E-FC02-4BAF-83DE-9BD86D3BAE21}"/>
-              </a:ext>
-            </a:extLst>
-          </p:cNvPr>
-          <p:cNvSpPr txBox="1"/>
-          <p:nvPr/>
-        </p:nvSpPr>
-        <p:spPr>
-          <a:xfrm>
-            <a:off x="7108960" y="5049007"/>
-            <a:ext cx="841834" cy="307777"/>
-          </a:xfrm>
-          <a:prstGeom prst="rect">
-            <a:avLst/>
-          </a:prstGeom>
-          <a:noFill/>
-        </p:spPr>
-        <p:txBody>
-          <a:bodyPr wrap="none" rtlCol="0">
-            <a:spAutoFit/>
-          </a:bodyPr>
-          <a:lstStyle/>
-          <a:p>
-            <a:r>
-              <a:rPr lang="en-SG" sz="1400" b="1" dirty="0"/>
-              <a:t>Quantity</a:t>
-            </a:r>
-          </a:p>
-        </p:txBody>
-      </p:sp>
-      <p:sp>
-        <p:nvSpPr>
-          <p:cNvPr id="27" name="TextBox 26">
-            <a:extLst>
-              <a:ext uri="{FF2B5EF4-FFF2-40B4-BE49-F238E27FC236}">
-                <a16:creationId xmlns:a16="http://schemas.microsoft.com/office/drawing/2014/main" id="{B28000E6-3FE1-40D1-9310-7EC36135ABA9}"/>
-              </a:ext>
-            </a:extLst>
-          </p:cNvPr>
-          <p:cNvSpPr txBox="1"/>
-          <p:nvPr/>
-        </p:nvSpPr>
-        <p:spPr>
-          <a:xfrm>
-            <a:off x="7328733" y="5753517"/>
-            <a:ext cx="276038" cy="307777"/>
-          </a:xfrm>
-          <a:prstGeom prst="rect">
-            <a:avLst/>
-          </a:prstGeom>
-          <a:noFill/>
-        </p:spPr>
-        <p:txBody>
-          <a:bodyPr wrap="none" rtlCol="0">
-            <a:spAutoFit/>
-          </a:bodyPr>
-          <a:lstStyle/>
-          <a:p>
-            <a:r>
-              <a:rPr lang="en-SG" sz="1400" dirty="0"/>
-              <a:t>1</a:t>
-            </a:r>
-          </a:p>
-        </p:txBody>
-      </p:sp>
-      <p:sp>
-        <p:nvSpPr>
-          <p:cNvPr id="28" name="TextBox 27">
-            <a:extLst>
-              <a:ext uri="{FF2B5EF4-FFF2-40B4-BE49-F238E27FC236}">
-                <a16:creationId xmlns:a16="http://schemas.microsoft.com/office/drawing/2014/main" id="{CF939A49-2BCC-433A-A4D6-DFBE79FEAD70}"/>
-              </a:ext>
-            </a:extLst>
-          </p:cNvPr>
-          <p:cNvSpPr txBox="1"/>
-          <p:nvPr/>
-        </p:nvSpPr>
-        <p:spPr>
-          <a:xfrm>
-            <a:off x="2831840" y="3389491"/>
-            <a:ext cx="5017592" cy="369332"/>
-          </a:xfrm>
-          <a:prstGeom prst="rect">
-            <a:avLst/>
-          </a:prstGeom>
-          <a:noFill/>
-        </p:spPr>
-        <p:txBody>
-          <a:bodyPr wrap="none" rtlCol="0">
-            <a:spAutoFit/>
-          </a:bodyPr>
-          <a:lstStyle/>
-          <a:p>
-            <a:r>
-              <a:rPr lang="en-SG" dirty="0"/>
-              <a:t>Delivery Address: 55A Zion Road, Singapore 247780</a:t>
-            </a:r>
-          </a:p>
-        </p:txBody>
-      </p:sp>
-      <p:pic>
-        <p:nvPicPr>
-          <p:cNvPr id="8" name="Picture 7">
-            <a:extLst>
-              <a:ext uri="{FF2B5EF4-FFF2-40B4-BE49-F238E27FC236}">
-                <a16:creationId xmlns:a16="http://schemas.microsoft.com/office/drawing/2014/main" id="{BFF71169-5A86-4054-88EF-FB7B03B99E61}"/>
-              </a:ext>
-            </a:extLst>
-          </p:cNvPr>
-          <p:cNvPicPr>
-            <a:picLocks noChangeAspect="1"/>
-          </p:cNvPicPr>
-          <p:nvPr/>
-        </p:nvPicPr>
-        <p:blipFill>
-          <a:blip r:embed="rId5"/>
-          <a:stretch>
-            <a:fillRect/>
-          </a:stretch>
-        </p:blipFill>
-        <p:spPr>
-          <a:xfrm>
-            <a:off x="2770889" y="6703251"/>
-            <a:ext cx="1008904" cy="561921"/>
-          </a:xfrm>
-          <a:prstGeom prst="rect">
-            <a:avLst/>
-          </a:prstGeom>
-        </p:spPr>
-      </p:pic>
-      <p:sp>
-        <p:nvSpPr>
-          <p:cNvPr id="11" name="Oval 10">
-            <a:extLst>
-              <a:ext uri="{FF2B5EF4-FFF2-40B4-BE49-F238E27FC236}">
-                <a16:creationId xmlns:a16="http://schemas.microsoft.com/office/drawing/2014/main" id="{3FCF53CF-9A4D-4F60-ADD0-7D5D1D10C0F6}"/>
+          <p:cNvPr id="37" name="Arrow: Right 36">
+            <a:extLst>
+              <a:ext uri="{FF2B5EF4-FFF2-40B4-BE49-F238E27FC236}">
+                <a16:creationId xmlns:a16="http://schemas.microsoft.com/office/drawing/2014/main" id="{655DC34B-5CA0-45FA-BE52-8AD13B4E9B2B}"/>
               </a:ext>
             </a:extLst>
           </p:cNvPr>
@@ -7414,19 +6785,20 @@
           <p:nvPr/>
         </p:nvSpPr>
         <p:spPr>
-          <a:xfrm>
-            <a:off x="2708726" y="2099307"/>
-            <a:ext cx="1900747" cy="689468"/>
-          </a:xfrm>
-          <a:prstGeom prst="ellipse">
-            <a:avLst/>
-          </a:prstGeom>
-          <a:noFill/>
-          <a:ln w="28575">
+          <a:xfrm rot="9562674">
+            <a:off x="4008449" y="1345149"/>
+            <a:ext cx="1549969" cy="409773"/>
+          </a:xfrm>
+          <a:prstGeom prst="rightArrow">
+            <a:avLst/>
+          </a:prstGeom>
+          <a:solidFill>
+            <a:srgbClr val="FF3809"/>
+          </a:solidFill>
+          <a:ln>
             <a:solidFill>
-              <a:srgbClr val="00B050"/>
+              <a:srgbClr val="FFFF00"/>
             </a:solidFill>
-            <a:prstDash val="dash"/>
           </a:ln>
         </p:spPr>
         <p:style>
@@ -7456,10 +6828,693 @@
       </p:sp>
       <p:sp>
         <p:nvSpPr>
-          <p:cNvPr id="31" name="Oval 30">
-            <a:extLst>
-              <a:ext uri="{FF2B5EF4-FFF2-40B4-BE49-F238E27FC236}">
-                <a16:creationId xmlns:a16="http://schemas.microsoft.com/office/drawing/2014/main" id="{5F958190-A261-4579-8C07-90B713E14599}"/>
+          <p:cNvPr id="3" name="TextBox 2">
+            <a:extLst>
+              <a:ext uri="{FF2B5EF4-FFF2-40B4-BE49-F238E27FC236}">
+                <a16:creationId xmlns:a16="http://schemas.microsoft.com/office/drawing/2014/main" id="{38774ACC-5DF0-41C9-ADC8-315B9594BC49}"/>
+              </a:ext>
+            </a:extLst>
+          </p:cNvPr>
+          <p:cNvSpPr txBox="1"/>
+          <p:nvPr/>
+        </p:nvSpPr>
+        <p:spPr>
+          <a:xfrm>
+            <a:off x="2708726" y="770021"/>
+            <a:ext cx="3114250" cy="369332"/>
+          </a:xfrm>
+          <a:prstGeom prst="rect">
+            <a:avLst/>
+          </a:prstGeom>
+          <a:noFill/>
+        </p:spPr>
+        <p:txBody>
+          <a:bodyPr wrap="none" rtlCol="0">
+            <a:spAutoFit/>
+          </a:bodyPr>
+          <a:lstStyle/>
+          <a:p>
+            <a:r>
+              <a:rPr lang="en-SG" dirty="0"/>
+              <a:t>Order Management Dashboard</a:t>
+            </a:r>
+          </a:p>
+        </p:txBody>
+      </p:sp>
+      <p:sp>
+        <p:nvSpPr>
+          <p:cNvPr id="39" name="TextBox 38">
+            <a:extLst>
+              <a:ext uri="{FF2B5EF4-FFF2-40B4-BE49-F238E27FC236}">
+                <a16:creationId xmlns:a16="http://schemas.microsoft.com/office/drawing/2014/main" id="{1D079E15-E065-4551-97DB-71E863E1A130}"/>
+              </a:ext>
+            </a:extLst>
+          </p:cNvPr>
+          <p:cNvSpPr txBox="1"/>
+          <p:nvPr/>
+        </p:nvSpPr>
+        <p:spPr>
+          <a:xfrm>
+            <a:off x="700611" y="3186364"/>
+            <a:ext cx="1631409" cy="307777"/>
+          </a:xfrm>
+          <a:prstGeom prst="rect">
+            <a:avLst/>
+          </a:prstGeom>
+          <a:solidFill>
+            <a:srgbClr val="FFC000"/>
+          </a:solidFill>
+        </p:spPr>
+        <p:txBody>
+          <a:bodyPr wrap="none" rtlCol="0">
+            <a:spAutoFit/>
+          </a:bodyPr>
+          <a:lstStyle/>
+          <a:p>
+            <a:r>
+              <a:rPr lang="en-SG" sz="1400" dirty="0"/>
+              <a:t>Order Management</a:t>
+            </a:r>
+          </a:p>
+        </p:txBody>
+      </p:sp>
+      <p:sp>
+        <p:nvSpPr>
+          <p:cNvPr id="10" name="TextBox 9">
+            <a:extLst>
+              <a:ext uri="{FF2B5EF4-FFF2-40B4-BE49-F238E27FC236}">
+                <a16:creationId xmlns:a16="http://schemas.microsoft.com/office/drawing/2014/main" id="{6CD196DA-C066-40C3-809A-504F72F5D111}"/>
+              </a:ext>
+            </a:extLst>
+          </p:cNvPr>
+          <p:cNvSpPr txBox="1"/>
+          <p:nvPr/>
+        </p:nvSpPr>
+        <p:spPr>
+          <a:xfrm>
+            <a:off x="2770889" y="1426458"/>
+            <a:ext cx="2255810" cy="369332"/>
+          </a:xfrm>
+          <a:prstGeom prst="rect">
+            <a:avLst/>
+          </a:prstGeom>
+          <a:noFill/>
+        </p:spPr>
+        <p:txBody>
+          <a:bodyPr wrap="none" rtlCol="0">
+            <a:spAutoFit/>
+          </a:bodyPr>
+          <a:lstStyle/>
+          <a:p>
+            <a:r>
+              <a:rPr lang="en-SG" dirty="0"/>
+              <a:t>Order Number: #0001</a:t>
+            </a:r>
+          </a:p>
+        </p:txBody>
+      </p:sp>
+      <p:sp>
+        <p:nvSpPr>
+          <p:cNvPr id="7" name="TextBox 6">
+            <a:extLst>
+              <a:ext uri="{FF2B5EF4-FFF2-40B4-BE49-F238E27FC236}">
+                <a16:creationId xmlns:a16="http://schemas.microsoft.com/office/drawing/2014/main" id="{6156B812-76F0-4103-8E33-107C5165CD0B}"/>
+              </a:ext>
+            </a:extLst>
+          </p:cNvPr>
+          <p:cNvSpPr txBox="1"/>
+          <p:nvPr/>
+        </p:nvSpPr>
+        <p:spPr>
+          <a:xfrm>
+            <a:off x="2831840" y="2911925"/>
+            <a:ext cx="4349396" cy="923330"/>
+          </a:xfrm>
+          <a:prstGeom prst="rect">
+            <a:avLst/>
+          </a:prstGeom>
+          <a:noFill/>
+        </p:spPr>
+        <p:txBody>
+          <a:bodyPr wrap="none" rtlCol="0">
+            <a:spAutoFit/>
+          </a:bodyPr>
+          <a:lstStyle/>
+          <a:p>
+            <a:r>
+              <a:rPr lang="en-SG" dirty="0"/>
+              <a:t>Payment Timestamp: 15</a:t>
+            </a:r>
+            <a:r>
+              <a:rPr lang="en-SG" baseline="30000" dirty="0"/>
+              <a:t>th</a:t>
+            </a:r>
+            <a:r>
+              <a:rPr lang="en-SG" dirty="0"/>
+              <a:t> Oct 2017, 1430hrs</a:t>
+            </a:r>
+          </a:p>
+          <a:p>
+            <a:r>
+              <a:rPr lang="en-SG" dirty="0"/>
+              <a:t>Stripe Charge ID: abc123456</a:t>
+            </a:r>
+          </a:p>
+          <a:p>
+            <a:r>
+              <a:rPr lang="en-SG" dirty="0"/>
+              <a:t>Promo Code: OFF100</a:t>
+            </a:r>
+          </a:p>
+        </p:txBody>
+      </p:sp>
+      <p:pic>
+        <p:nvPicPr>
+          <p:cNvPr id="13" name="Picture 12">
+            <a:extLst>
+              <a:ext uri="{FF2B5EF4-FFF2-40B4-BE49-F238E27FC236}">
+                <a16:creationId xmlns:a16="http://schemas.microsoft.com/office/drawing/2014/main" id="{48B6578A-3F61-475F-97A4-0207A2496BC7}"/>
+              </a:ext>
+            </a:extLst>
+          </p:cNvPr>
+          <p:cNvPicPr>
+            <a:picLocks noChangeAspect="1"/>
+          </p:cNvPicPr>
+          <p:nvPr/>
+        </p:nvPicPr>
+        <p:blipFill rotWithShape="1">
+          <a:blip r:embed="rId4"/>
+          <a:srcRect l="49836" t="14815" r="11509" b="77846"/>
+          <a:stretch/>
+        </p:blipFill>
+        <p:spPr>
+          <a:xfrm>
+            <a:off x="2770889" y="4864169"/>
+            <a:ext cx="4211970" cy="503305"/>
+          </a:xfrm>
+          <a:prstGeom prst="rect">
+            <a:avLst/>
+          </a:prstGeom>
+        </p:spPr>
+      </p:pic>
+      <p:sp>
+        <p:nvSpPr>
+          <p:cNvPr id="15" name="TextBox 14">
+            <a:extLst>
+              <a:ext uri="{FF2B5EF4-FFF2-40B4-BE49-F238E27FC236}">
+                <a16:creationId xmlns:a16="http://schemas.microsoft.com/office/drawing/2014/main" id="{3A9277E9-436E-4BA2-BA60-909B430B9B00}"/>
+              </a:ext>
+            </a:extLst>
+          </p:cNvPr>
+          <p:cNvSpPr txBox="1"/>
+          <p:nvPr/>
+        </p:nvSpPr>
+        <p:spPr>
+          <a:xfrm>
+            <a:off x="2819725" y="5411978"/>
+            <a:ext cx="769185" cy="307777"/>
+          </a:xfrm>
+          <a:prstGeom prst="rect">
+            <a:avLst/>
+          </a:prstGeom>
+          <a:noFill/>
+        </p:spPr>
+        <p:txBody>
+          <a:bodyPr wrap="none" rtlCol="0">
+            <a:spAutoFit/>
+          </a:bodyPr>
+          <a:lstStyle/>
+          <a:p>
+            <a:r>
+              <a:rPr lang="en-SG" sz="1400" b="1" dirty="0"/>
+              <a:t>Product</a:t>
+            </a:r>
+          </a:p>
+        </p:txBody>
+      </p:sp>
+      <p:sp>
+        <p:nvSpPr>
+          <p:cNvPr id="16" name="TextBox 15">
+            <a:extLst>
+              <a:ext uri="{FF2B5EF4-FFF2-40B4-BE49-F238E27FC236}">
+                <a16:creationId xmlns:a16="http://schemas.microsoft.com/office/drawing/2014/main" id="{5DFE538B-6323-48FC-8266-CF2935449893}"/>
+              </a:ext>
+            </a:extLst>
+          </p:cNvPr>
+          <p:cNvSpPr txBox="1"/>
+          <p:nvPr/>
+        </p:nvSpPr>
+        <p:spPr>
+          <a:xfrm>
+            <a:off x="3610848" y="5411977"/>
+            <a:ext cx="734625" cy="307777"/>
+          </a:xfrm>
+          <a:prstGeom prst="rect">
+            <a:avLst/>
+          </a:prstGeom>
+          <a:noFill/>
+        </p:spPr>
+        <p:txBody>
+          <a:bodyPr wrap="none" rtlCol="0">
+            <a:spAutoFit/>
+          </a:bodyPr>
+          <a:lstStyle/>
+          <a:p>
+            <a:r>
+              <a:rPr lang="en-SG" sz="1400" b="1" dirty="0"/>
+              <a:t>Pattern</a:t>
+            </a:r>
+          </a:p>
+        </p:txBody>
+      </p:sp>
+      <p:sp>
+        <p:nvSpPr>
+          <p:cNvPr id="17" name="TextBox 16">
+            <a:extLst>
+              <a:ext uri="{FF2B5EF4-FFF2-40B4-BE49-F238E27FC236}">
+                <a16:creationId xmlns:a16="http://schemas.microsoft.com/office/drawing/2014/main" id="{848F6D35-4263-4874-B5BA-EE87B49235ED}"/>
+              </a:ext>
+            </a:extLst>
+          </p:cNvPr>
+          <p:cNvSpPr txBox="1"/>
+          <p:nvPr/>
+        </p:nvSpPr>
+        <p:spPr>
+          <a:xfrm>
+            <a:off x="4499360" y="5411976"/>
+            <a:ext cx="820417" cy="307777"/>
+          </a:xfrm>
+          <a:prstGeom prst="rect">
+            <a:avLst/>
+          </a:prstGeom>
+          <a:noFill/>
+        </p:spPr>
+        <p:txBody>
+          <a:bodyPr wrap="none" rtlCol="0">
+            <a:spAutoFit/>
+          </a:bodyPr>
+          <a:lstStyle/>
+          <a:p>
+            <a:r>
+              <a:rPr lang="en-SG" sz="1400" b="1" dirty="0"/>
+              <a:t>Material</a:t>
+            </a:r>
+          </a:p>
+        </p:txBody>
+      </p:sp>
+      <p:sp>
+        <p:nvSpPr>
+          <p:cNvPr id="18" name="TextBox 17">
+            <a:extLst>
+              <a:ext uri="{FF2B5EF4-FFF2-40B4-BE49-F238E27FC236}">
+                <a16:creationId xmlns:a16="http://schemas.microsoft.com/office/drawing/2014/main" id="{2008C0AB-A15C-4727-BEDA-6B5DB92CB417}"/>
+              </a:ext>
+            </a:extLst>
+          </p:cNvPr>
+          <p:cNvSpPr txBox="1"/>
+          <p:nvPr/>
+        </p:nvSpPr>
+        <p:spPr>
+          <a:xfrm>
+            <a:off x="5539371" y="5411975"/>
+            <a:ext cx="580608" cy="307777"/>
+          </a:xfrm>
+          <a:prstGeom prst="rect">
+            <a:avLst/>
+          </a:prstGeom>
+          <a:noFill/>
+        </p:spPr>
+        <p:txBody>
+          <a:bodyPr wrap="none" rtlCol="0">
+            <a:spAutoFit/>
+          </a:bodyPr>
+          <a:lstStyle/>
+          <a:p>
+            <a:r>
+              <a:rPr lang="en-SG" sz="1400" b="1" dirty="0" err="1"/>
+              <a:t>Color</a:t>
+            </a:r>
+            <a:endParaRPr lang="en-SG" sz="1400" b="1" dirty="0"/>
+          </a:p>
+        </p:txBody>
+      </p:sp>
+      <p:sp>
+        <p:nvSpPr>
+          <p:cNvPr id="19" name="TextBox 18">
+            <a:extLst>
+              <a:ext uri="{FF2B5EF4-FFF2-40B4-BE49-F238E27FC236}">
+                <a16:creationId xmlns:a16="http://schemas.microsoft.com/office/drawing/2014/main" id="{9B31A6F7-F142-48B0-9EFA-DB1494D393C5}"/>
+              </a:ext>
+            </a:extLst>
+          </p:cNvPr>
+          <p:cNvSpPr txBox="1"/>
+          <p:nvPr/>
+        </p:nvSpPr>
+        <p:spPr>
+          <a:xfrm>
+            <a:off x="6419682" y="5411975"/>
+            <a:ext cx="473078" cy="307777"/>
+          </a:xfrm>
+          <a:prstGeom prst="rect">
+            <a:avLst/>
+          </a:prstGeom>
+          <a:noFill/>
+        </p:spPr>
+        <p:txBody>
+          <a:bodyPr wrap="none" rtlCol="0">
+            <a:spAutoFit/>
+          </a:bodyPr>
+          <a:lstStyle/>
+          <a:p>
+            <a:r>
+              <a:rPr lang="en-SG" sz="1400" b="1" dirty="0"/>
+              <a:t>Size</a:t>
+            </a:r>
+          </a:p>
+        </p:txBody>
+      </p:sp>
+      <p:sp>
+        <p:nvSpPr>
+          <p:cNvPr id="21" name="TextBox 20">
+            <a:extLst>
+              <a:ext uri="{FF2B5EF4-FFF2-40B4-BE49-F238E27FC236}">
+                <a16:creationId xmlns:a16="http://schemas.microsoft.com/office/drawing/2014/main" id="{10AB74D9-18B0-48FC-B377-5B244461A5F6}"/>
+              </a:ext>
+            </a:extLst>
+          </p:cNvPr>
+          <p:cNvSpPr txBox="1"/>
+          <p:nvPr/>
+        </p:nvSpPr>
+        <p:spPr>
+          <a:xfrm>
+            <a:off x="2796916" y="6102805"/>
+            <a:ext cx="782587" cy="307777"/>
+          </a:xfrm>
+          <a:prstGeom prst="rect">
+            <a:avLst/>
+          </a:prstGeom>
+          <a:noFill/>
+        </p:spPr>
+        <p:txBody>
+          <a:bodyPr wrap="none" rtlCol="0">
+            <a:spAutoFit/>
+          </a:bodyPr>
+          <a:lstStyle/>
+          <a:p>
+            <a:r>
+              <a:rPr lang="en-SG" sz="1400" dirty="0"/>
+              <a:t>Bedding</a:t>
+            </a:r>
+          </a:p>
+        </p:txBody>
+      </p:sp>
+      <p:sp>
+        <p:nvSpPr>
+          <p:cNvPr id="22" name="TextBox 21">
+            <a:extLst>
+              <a:ext uri="{FF2B5EF4-FFF2-40B4-BE49-F238E27FC236}">
+                <a16:creationId xmlns:a16="http://schemas.microsoft.com/office/drawing/2014/main" id="{D9858EFC-4C22-4182-9FF5-708BD7492EA0}"/>
+              </a:ext>
+            </a:extLst>
+          </p:cNvPr>
+          <p:cNvSpPr txBox="1"/>
+          <p:nvPr/>
+        </p:nvSpPr>
+        <p:spPr>
+          <a:xfrm>
+            <a:off x="3588212" y="6102805"/>
+            <a:ext cx="817147" cy="307777"/>
+          </a:xfrm>
+          <a:prstGeom prst="rect">
+            <a:avLst/>
+          </a:prstGeom>
+          <a:noFill/>
+        </p:spPr>
+        <p:txBody>
+          <a:bodyPr wrap="none" rtlCol="0">
+            <a:spAutoFit/>
+          </a:bodyPr>
+          <a:lstStyle/>
+          <a:p>
+            <a:r>
+              <a:rPr lang="en-SG" sz="1400" dirty="0"/>
+              <a:t>P01 Tree</a:t>
+            </a:r>
+          </a:p>
+        </p:txBody>
+      </p:sp>
+      <p:sp>
+        <p:nvSpPr>
+          <p:cNvPr id="23" name="TextBox 22">
+            <a:extLst>
+              <a:ext uri="{FF2B5EF4-FFF2-40B4-BE49-F238E27FC236}">
+                <a16:creationId xmlns:a16="http://schemas.microsoft.com/office/drawing/2014/main" id="{708AE684-87DB-48D2-83EE-5465DF9B304C}"/>
+              </a:ext>
+            </a:extLst>
+          </p:cNvPr>
+          <p:cNvSpPr txBox="1"/>
+          <p:nvPr/>
+        </p:nvSpPr>
+        <p:spPr>
+          <a:xfrm>
+            <a:off x="4431116" y="6102804"/>
+            <a:ext cx="808235" cy="307777"/>
+          </a:xfrm>
+          <a:prstGeom prst="rect">
+            <a:avLst/>
+          </a:prstGeom>
+          <a:noFill/>
+        </p:spPr>
+        <p:txBody>
+          <a:bodyPr wrap="none" rtlCol="0">
+            <a:spAutoFit/>
+          </a:bodyPr>
+          <a:lstStyle/>
+          <a:p>
+            <a:r>
+              <a:rPr lang="en-SG" sz="1400" dirty="0"/>
+              <a:t>M01 Silk</a:t>
+            </a:r>
+          </a:p>
+        </p:txBody>
+      </p:sp>
+      <p:sp>
+        <p:nvSpPr>
+          <p:cNvPr id="24" name="TextBox 23">
+            <a:extLst>
+              <a:ext uri="{FF2B5EF4-FFF2-40B4-BE49-F238E27FC236}">
+                <a16:creationId xmlns:a16="http://schemas.microsoft.com/office/drawing/2014/main" id="{3F881687-A9D9-4B6F-AD35-5356B51F1D9F}"/>
+              </a:ext>
+            </a:extLst>
+          </p:cNvPr>
+          <p:cNvSpPr txBox="1"/>
+          <p:nvPr/>
+        </p:nvSpPr>
+        <p:spPr>
+          <a:xfrm>
+            <a:off x="5371418" y="6102803"/>
+            <a:ext cx="814647" cy="307777"/>
+          </a:xfrm>
+          <a:prstGeom prst="rect">
+            <a:avLst/>
+          </a:prstGeom>
+          <a:noFill/>
+        </p:spPr>
+        <p:txBody>
+          <a:bodyPr wrap="none" rtlCol="0">
+            <a:spAutoFit/>
+          </a:bodyPr>
+          <a:lstStyle/>
+          <a:p>
+            <a:r>
+              <a:rPr lang="en-SG" sz="1400" dirty="0"/>
+              <a:t>C01 Pink</a:t>
+            </a:r>
+          </a:p>
+        </p:txBody>
+      </p:sp>
+      <p:sp>
+        <p:nvSpPr>
+          <p:cNvPr id="25" name="TextBox 24">
+            <a:extLst>
+              <a:ext uri="{FF2B5EF4-FFF2-40B4-BE49-F238E27FC236}">
+                <a16:creationId xmlns:a16="http://schemas.microsoft.com/office/drawing/2014/main" id="{75F5B0F6-5522-4557-A88F-A2FBD3A72268}"/>
+              </a:ext>
+            </a:extLst>
+          </p:cNvPr>
+          <p:cNvSpPr txBox="1"/>
+          <p:nvPr/>
+        </p:nvSpPr>
+        <p:spPr>
+          <a:xfrm>
+            <a:off x="6318132" y="6102802"/>
+            <a:ext cx="673582" cy="307777"/>
+          </a:xfrm>
+          <a:prstGeom prst="rect">
+            <a:avLst/>
+          </a:prstGeom>
+          <a:noFill/>
+        </p:spPr>
+        <p:txBody>
+          <a:bodyPr wrap="none" rtlCol="0">
+            <a:spAutoFit/>
+          </a:bodyPr>
+          <a:lstStyle/>
+          <a:p>
+            <a:r>
+              <a:rPr lang="en-SG" sz="1400" dirty="0"/>
+              <a:t>Queen</a:t>
+            </a:r>
+          </a:p>
+        </p:txBody>
+      </p:sp>
+      <p:sp>
+        <p:nvSpPr>
+          <p:cNvPr id="26" name="TextBox 25">
+            <a:extLst>
+              <a:ext uri="{FF2B5EF4-FFF2-40B4-BE49-F238E27FC236}">
+                <a16:creationId xmlns:a16="http://schemas.microsoft.com/office/drawing/2014/main" id="{52FF2E7E-FC02-4BAF-83DE-9BD86D3BAE21}"/>
+              </a:ext>
+            </a:extLst>
+          </p:cNvPr>
+          <p:cNvSpPr txBox="1"/>
+          <p:nvPr/>
+        </p:nvSpPr>
+        <p:spPr>
+          <a:xfrm>
+            <a:off x="7108960" y="5411974"/>
+            <a:ext cx="841834" cy="307777"/>
+          </a:xfrm>
+          <a:prstGeom prst="rect">
+            <a:avLst/>
+          </a:prstGeom>
+          <a:noFill/>
+        </p:spPr>
+        <p:txBody>
+          <a:bodyPr wrap="none" rtlCol="0">
+            <a:spAutoFit/>
+          </a:bodyPr>
+          <a:lstStyle/>
+          <a:p>
+            <a:r>
+              <a:rPr lang="en-SG" sz="1400" b="1" dirty="0"/>
+              <a:t>Quantity</a:t>
+            </a:r>
+          </a:p>
+        </p:txBody>
+      </p:sp>
+      <p:sp>
+        <p:nvSpPr>
+          <p:cNvPr id="27" name="TextBox 26">
+            <a:extLst>
+              <a:ext uri="{FF2B5EF4-FFF2-40B4-BE49-F238E27FC236}">
+                <a16:creationId xmlns:a16="http://schemas.microsoft.com/office/drawing/2014/main" id="{B28000E6-3FE1-40D1-9310-7EC36135ABA9}"/>
+              </a:ext>
+            </a:extLst>
+          </p:cNvPr>
+          <p:cNvSpPr txBox="1"/>
+          <p:nvPr/>
+        </p:nvSpPr>
+        <p:spPr>
+          <a:xfrm>
+            <a:off x="7328733" y="6116484"/>
+            <a:ext cx="276038" cy="307777"/>
+          </a:xfrm>
+          <a:prstGeom prst="rect">
+            <a:avLst/>
+          </a:prstGeom>
+          <a:noFill/>
+        </p:spPr>
+        <p:txBody>
+          <a:bodyPr wrap="none" rtlCol="0">
+            <a:spAutoFit/>
+          </a:bodyPr>
+          <a:lstStyle/>
+          <a:p>
+            <a:r>
+              <a:rPr lang="en-SG" sz="1400" dirty="0"/>
+              <a:t>1</a:t>
+            </a:r>
+          </a:p>
+        </p:txBody>
+      </p:sp>
+      <p:sp>
+        <p:nvSpPr>
+          <p:cNvPr id="28" name="TextBox 27">
+            <a:extLst>
+              <a:ext uri="{FF2B5EF4-FFF2-40B4-BE49-F238E27FC236}">
+                <a16:creationId xmlns:a16="http://schemas.microsoft.com/office/drawing/2014/main" id="{CF939A49-2BCC-433A-A4D6-DFBE79FEAD70}"/>
+              </a:ext>
+            </a:extLst>
+          </p:cNvPr>
+          <p:cNvSpPr txBox="1"/>
+          <p:nvPr/>
+        </p:nvSpPr>
+        <p:spPr>
+          <a:xfrm>
+            <a:off x="2831840" y="4066927"/>
+            <a:ext cx="5017592" cy="646331"/>
+          </a:xfrm>
+          <a:prstGeom prst="rect">
+            <a:avLst/>
+          </a:prstGeom>
+          <a:noFill/>
+        </p:spPr>
+        <p:txBody>
+          <a:bodyPr wrap="none" rtlCol="0">
+            <a:spAutoFit/>
+          </a:bodyPr>
+          <a:lstStyle/>
+          <a:p>
+            <a:r>
+              <a:rPr lang="en-SG" dirty="0"/>
+              <a:t>Recipient Name: Tommy the Friend</a:t>
+            </a:r>
+          </a:p>
+          <a:p>
+            <a:r>
+              <a:rPr lang="en-SG" dirty="0"/>
+              <a:t>Delivery Address: 55A Zion Road, Singapore 247780</a:t>
+            </a:r>
+          </a:p>
+        </p:txBody>
+      </p:sp>
+      <p:pic>
+        <p:nvPicPr>
+          <p:cNvPr id="8" name="Picture 7">
+            <a:extLst>
+              <a:ext uri="{FF2B5EF4-FFF2-40B4-BE49-F238E27FC236}">
+                <a16:creationId xmlns:a16="http://schemas.microsoft.com/office/drawing/2014/main" id="{BFF71169-5A86-4054-88EF-FB7B03B99E61}"/>
+              </a:ext>
+            </a:extLst>
+          </p:cNvPr>
+          <p:cNvPicPr>
+            <a:picLocks noChangeAspect="1"/>
+          </p:cNvPicPr>
+          <p:nvPr/>
+        </p:nvPicPr>
+        <p:blipFill>
+          <a:blip r:embed="rId5"/>
+          <a:stretch>
+            <a:fillRect/>
+          </a:stretch>
+        </p:blipFill>
+        <p:spPr>
+          <a:xfrm>
+            <a:off x="2770889" y="6703251"/>
+            <a:ext cx="1008904" cy="561921"/>
+          </a:xfrm>
+          <a:prstGeom prst="rect">
+            <a:avLst/>
+          </a:prstGeom>
+        </p:spPr>
+      </p:pic>
+      <p:sp>
+        <p:nvSpPr>
+          <p:cNvPr id="11" name="Oval 10">
+            <a:extLst>
+              <a:ext uri="{FF2B5EF4-FFF2-40B4-BE49-F238E27FC236}">
+                <a16:creationId xmlns:a16="http://schemas.microsoft.com/office/drawing/2014/main" id="{3FCF53CF-9A4D-4F60-ADD0-7D5D1D10C0F6}"/>
               </a:ext>
             </a:extLst>
           </p:cNvPr>
@@ -7468,8 +7523,8 @@
         </p:nvSpPr>
         <p:spPr>
           <a:xfrm>
-            <a:off x="4670533" y="2123206"/>
-            <a:ext cx="1900747" cy="689468"/>
+            <a:off x="2708726" y="2223731"/>
+            <a:ext cx="4843799" cy="565043"/>
           </a:xfrm>
           <a:prstGeom prst="ellipse">
             <a:avLst/>
@@ -7521,8 +7576,8 @@
         </p:nvSpPr>
         <p:spPr>
           <a:xfrm>
-            <a:off x="4279250" y="3243788"/>
-            <a:ext cx="3765228" cy="689468"/>
+            <a:off x="3726873" y="3921223"/>
+            <a:ext cx="4317605" cy="972585"/>
           </a:xfrm>
           <a:prstGeom prst="ellipse">
             <a:avLst/>
@@ -7574,7 +7629,7 @@
         </p:nvSpPr>
         <p:spPr>
           <a:xfrm>
-            <a:off x="2758620" y="5562671"/>
+            <a:off x="2758620" y="5925638"/>
             <a:ext cx="4358058" cy="689468"/>
           </a:xfrm>
           <a:prstGeom prst="ellipse">
@@ -7627,7 +7682,7 @@
         </p:nvSpPr>
         <p:spPr>
           <a:xfrm>
-            <a:off x="8235233" y="5049007"/>
+            <a:off x="8235233" y="5411974"/>
             <a:ext cx="554960" cy="307777"/>
           </a:xfrm>
           <a:prstGeom prst="rect">
@@ -7662,7 +7717,7 @@
         </p:nvSpPr>
         <p:spPr>
           <a:xfrm>
-            <a:off x="8208609" y="5753517"/>
+            <a:off x="8208609" y="6116484"/>
             <a:ext cx="641522" cy="307777"/>
           </a:xfrm>
           <a:prstGeom prst="rect">
@@ -7741,60 +7796,6 @@
               <a:rPr lang="en-SG" sz="1400" b="1" u="sng" dirty="0"/>
               <a:t>Cancelled</a:t>
             </a:r>
-          </a:p>
-        </p:txBody>
-      </p:sp>
-      <p:sp>
-        <p:nvSpPr>
-          <p:cNvPr id="37" name="Arrow: Right 36">
-            <a:extLst>
-              <a:ext uri="{FF2B5EF4-FFF2-40B4-BE49-F238E27FC236}">
-                <a16:creationId xmlns:a16="http://schemas.microsoft.com/office/drawing/2014/main" id="{655DC34B-5CA0-45FA-BE52-8AD13B4E9B2B}"/>
-              </a:ext>
-            </a:extLst>
-          </p:cNvPr>
-          <p:cNvSpPr/>
-          <p:nvPr/>
-        </p:nvSpPr>
-        <p:spPr>
-          <a:xfrm rot="8749210">
-            <a:off x="4482844" y="1508657"/>
-            <a:ext cx="1201348" cy="303287"/>
-          </a:xfrm>
-          <a:prstGeom prst="rightArrow">
-            <a:avLst/>
-          </a:prstGeom>
-          <a:solidFill>
-            <a:srgbClr val="FF3809"/>
-          </a:solidFill>
-          <a:ln>
-            <a:solidFill>
-              <a:srgbClr val="FFFF00"/>
-            </a:solidFill>
-          </a:ln>
-        </p:spPr>
-        <p:style>
-          <a:lnRef idx="2">
-            <a:schemeClr val="accent1">
-              <a:shade val="50000"/>
-            </a:schemeClr>
-          </a:lnRef>
-          <a:fillRef idx="1">
-            <a:schemeClr val="accent1"/>
-          </a:fillRef>
-          <a:effectRef idx="0">
-            <a:schemeClr val="accent1"/>
-          </a:effectRef>
-          <a:fontRef idx="minor">
-            <a:schemeClr val="lt1"/>
-          </a:fontRef>
-        </p:style>
-        <p:txBody>
-          <a:bodyPr rtlCol="0" anchor="ctr"/>
-          <a:lstStyle/>
-          <a:p>
-            <a:pPr algn="ctr"/>
-            <a:endParaRPr lang="en-SG"/>
           </a:p>
         </p:txBody>
       </p:sp>
